--- a/materials/slides/ch14-linux-system-programming.pptx
+++ b/materials/slides/ch14-linux-system-programming.pptx
@@ -6,7 +6,7 @@
     <p:sldMasterId id="2147483660" r:id="rId2"/>
   </p:sldMasterIdLst>
   <p:notesMasterIdLst>
-    <p:notesMasterId r:id="rId13"/>
+    <p:notesMasterId r:id="rId10"/>
   </p:notesMasterIdLst>
   <p:sldIdLst>
     <p:sldId id="260" r:id="rId3"/>
@@ -15,10 +15,7 @@
     <p:sldId id="263" r:id="rId6"/>
     <p:sldId id="264" r:id="rId7"/>
     <p:sldId id="265" r:id="rId8"/>
-    <p:sldId id="268" r:id="rId9"/>
-    <p:sldId id="269" r:id="rId10"/>
-    <p:sldId id="266" r:id="rId11"/>
-    <p:sldId id="267" r:id="rId12"/>
+    <p:sldId id="270" r:id="rId9"/>
   </p:sldIdLst>
   <p:sldSz cx="12192000" cy="6858000"/>
   <p:notesSz cx="6858000" cy="9144000"/>
@@ -207,7 +204,7 @@
           <a:p>
             <a:fld id="{34749B9C-DA28-41D1-8DCF-FC20D5A04C02}" type="datetimeFigureOut">
               <a:rPr lang="zh-CN" altLang="en-US" smtClean="0"/>
-              <a:t>2018/5/21</a:t>
+              <a:t>2018/6/10</a:t>
             </a:fld>
             <a:endParaRPr lang="zh-CN" altLang="en-US"/>
           </a:p>
@@ -968,259 +965,7 @@
     </p:spTree>
     <p:extLst>
       <p:ext uri="{BB962C8B-B14F-4D97-AF65-F5344CB8AC3E}">
-        <p14:creationId xmlns:p14="http://schemas.microsoft.com/office/powerpoint/2010/main" val="616179490"/>
-      </p:ext>
-    </p:extLst>
-  </p:cSld>
-  <p:clrMapOvr>
-    <a:masterClrMapping/>
-  </p:clrMapOvr>
-</p:notes>
-</file>
-
-<file path=ppt/notesSlides/notesSlide7.xml><?xml version="1.0" encoding="utf-8"?>
-<p:notes xmlns:a="http://schemas.openxmlformats.org/drawingml/2006/main" xmlns:r="http://schemas.openxmlformats.org/officeDocument/2006/relationships" xmlns:p="http://schemas.openxmlformats.org/presentationml/2006/main">
-  <p:cSld>
-    <p:spTree>
-      <p:nvGrpSpPr>
-        <p:cNvPr id="1" name=""/>
-        <p:cNvGrpSpPr/>
-        <p:nvPr/>
-      </p:nvGrpSpPr>
-      <p:grpSpPr>
-        <a:xfrm>
-          <a:off x="0" y="0"/>
-          <a:ext cx="0" cy="0"/>
-          <a:chOff x="0" y="0"/>
-          <a:chExt cx="0" cy="0"/>
-        </a:xfrm>
-      </p:grpSpPr>
-      <p:sp>
-        <p:nvSpPr>
-          <p:cNvPr id="2" name="幻灯片图像占位符 1"/>
-          <p:cNvSpPr>
-            <a:spLocks noGrp="1" noRot="1" noChangeAspect="1"/>
-          </p:cNvSpPr>
-          <p:nvPr>
-            <p:ph type="sldImg"/>
-          </p:nvPr>
-        </p:nvSpPr>
-        <p:spPr/>
-      </p:sp>
-      <p:sp>
-        <p:nvSpPr>
-          <p:cNvPr id="3" name="备注占位符 2"/>
-          <p:cNvSpPr>
-            <a:spLocks noGrp="1"/>
-          </p:cNvSpPr>
-          <p:nvPr>
-            <p:ph type="body" idx="1"/>
-          </p:nvPr>
-        </p:nvSpPr>
-        <p:spPr/>
-        <p:txBody>
-          <a:bodyPr/>
-          <a:lstStyle/>
-          <a:p>
-            <a:endParaRPr lang="zh-CN" altLang="en-US" dirty="0"/>
-          </a:p>
-        </p:txBody>
-      </p:sp>
-      <p:sp>
-        <p:nvSpPr>
-          <p:cNvPr id="4" name="灯片编号占位符 3"/>
-          <p:cNvSpPr>
-            <a:spLocks noGrp="1"/>
-          </p:cNvSpPr>
-          <p:nvPr>
-            <p:ph type="sldNum" sz="quarter" idx="10"/>
-          </p:nvPr>
-        </p:nvSpPr>
-        <p:spPr/>
-        <p:txBody>
-          <a:bodyPr/>
-          <a:lstStyle/>
-          <a:p>
-            <a:fld id="{9FB975F3-1C40-4D40-A7FE-36EEB7CAFC85}" type="slidenum">
-              <a:rPr lang="zh-CN" altLang="en-US" smtClean="0"/>
-              <a:t>8</a:t>
-            </a:fld>
-            <a:endParaRPr lang="zh-CN" altLang="en-US"/>
-          </a:p>
-        </p:txBody>
-      </p:sp>
-    </p:spTree>
-    <p:extLst>
-      <p:ext uri="{BB962C8B-B14F-4D97-AF65-F5344CB8AC3E}">
-        <p14:creationId xmlns:p14="http://schemas.microsoft.com/office/powerpoint/2010/main" val="4091015907"/>
-      </p:ext>
-    </p:extLst>
-  </p:cSld>
-  <p:clrMapOvr>
-    <a:masterClrMapping/>
-  </p:clrMapOvr>
-</p:notes>
-</file>
-
-<file path=ppt/notesSlides/notesSlide8.xml><?xml version="1.0" encoding="utf-8"?>
-<p:notes xmlns:a="http://schemas.openxmlformats.org/drawingml/2006/main" xmlns:r="http://schemas.openxmlformats.org/officeDocument/2006/relationships" xmlns:p="http://schemas.openxmlformats.org/presentationml/2006/main">
-  <p:cSld>
-    <p:spTree>
-      <p:nvGrpSpPr>
-        <p:cNvPr id="1" name=""/>
-        <p:cNvGrpSpPr/>
-        <p:nvPr/>
-      </p:nvGrpSpPr>
-      <p:grpSpPr>
-        <a:xfrm>
-          <a:off x="0" y="0"/>
-          <a:ext cx="0" cy="0"/>
-          <a:chOff x="0" y="0"/>
-          <a:chExt cx="0" cy="0"/>
-        </a:xfrm>
-      </p:grpSpPr>
-      <p:sp>
-        <p:nvSpPr>
-          <p:cNvPr id="2" name="幻灯片图像占位符 1"/>
-          <p:cNvSpPr>
-            <a:spLocks noGrp="1" noRot="1" noChangeAspect="1"/>
-          </p:cNvSpPr>
-          <p:nvPr>
-            <p:ph type="sldImg"/>
-          </p:nvPr>
-        </p:nvSpPr>
-        <p:spPr/>
-      </p:sp>
-      <p:sp>
-        <p:nvSpPr>
-          <p:cNvPr id="3" name="备注占位符 2"/>
-          <p:cNvSpPr>
-            <a:spLocks noGrp="1"/>
-          </p:cNvSpPr>
-          <p:nvPr>
-            <p:ph type="body" idx="1"/>
-          </p:nvPr>
-        </p:nvSpPr>
-        <p:spPr/>
-        <p:txBody>
-          <a:bodyPr/>
-          <a:lstStyle/>
-          <a:p>
-            <a:endParaRPr lang="zh-CN" altLang="en-US" dirty="0"/>
-          </a:p>
-        </p:txBody>
-      </p:sp>
-      <p:sp>
-        <p:nvSpPr>
-          <p:cNvPr id="4" name="灯片编号占位符 3"/>
-          <p:cNvSpPr>
-            <a:spLocks noGrp="1"/>
-          </p:cNvSpPr>
-          <p:nvPr>
-            <p:ph type="sldNum" sz="quarter" idx="10"/>
-          </p:nvPr>
-        </p:nvSpPr>
-        <p:spPr/>
-        <p:txBody>
-          <a:bodyPr/>
-          <a:lstStyle/>
-          <a:p>
-            <a:fld id="{9FB975F3-1C40-4D40-A7FE-36EEB7CAFC85}" type="slidenum">
-              <a:rPr lang="zh-CN" altLang="en-US" smtClean="0"/>
-              <a:t>9</a:t>
-            </a:fld>
-            <a:endParaRPr lang="zh-CN" altLang="en-US"/>
-          </a:p>
-        </p:txBody>
-      </p:sp>
-    </p:spTree>
-    <p:extLst>
-      <p:ext uri="{BB962C8B-B14F-4D97-AF65-F5344CB8AC3E}">
-        <p14:creationId xmlns:p14="http://schemas.microsoft.com/office/powerpoint/2010/main" val="2846291670"/>
-      </p:ext>
-    </p:extLst>
-  </p:cSld>
-  <p:clrMapOvr>
-    <a:masterClrMapping/>
-  </p:clrMapOvr>
-</p:notes>
-</file>
-
-<file path=ppt/notesSlides/notesSlide9.xml><?xml version="1.0" encoding="utf-8"?>
-<p:notes xmlns:a="http://schemas.openxmlformats.org/drawingml/2006/main" xmlns:r="http://schemas.openxmlformats.org/officeDocument/2006/relationships" xmlns:p="http://schemas.openxmlformats.org/presentationml/2006/main">
-  <p:cSld>
-    <p:spTree>
-      <p:nvGrpSpPr>
-        <p:cNvPr id="1" name=""/>
-        <p:cNvGrpSpPr/>
-        <p:nvPr/>
-      </p:nvGrpSpPr>
-      <p:grpSpPr>
-        <a:xfrm>
-          <a:off x="0" y="0"/>
-          <a:ext cx="0" cy="0"/>
-          <a:chOff x="0" y="0"/>
-          <a:chExt cx="0" cy="0"/>
-        </a:xfrm>
-      </p:grpSpPr>
-      <p:sp>
-        <p:nvSpPr>
-          <p:cNvPr id="2" name="幻灯片图像占位符 1"/>
-          <p:cNvSpPr>
-            <a:spLocks noGrp="1" noRot="1" noChangeAspect="1"/>
-          </p:cNvSpPr>
-          <p:nvPr>
-            <p:ph type="sldImg"/>
-          </p:nvPr>
-        </p:nvSpPr>
-        <p:spPr/>
-      </p:sp>
-      <p:sp>
-        <p:nvSpPr>
-          <p:cNvPr id="3" name="备注占位符 2"/>
-          <p:cNvSpPr>
-            <a:spLocks noGrp="1"/>
-          </p:cNvSpPr>
-          <p:nvPr>
-            <p:ph type="body" idx="1"/>
-          </p:nvPr>
-        </p:nvSpPr>
-        <p:spPr/>
-        <p:txBody>
-          <a:bodyPr/>
-          <a:lstStyle/>
-          <a:p>
-            <a:endParaRPr lang="zh-CN" altLang="en-US" dirty="0"/>
-          </a:p>
-        </p:txBody>
-      </p:sp>
-      <p:sp>
-        <p:nvSpPr>
-          <p:cNvPr id="4" name="灯片编号占位符 3"/>
-          <p:cNvSpPr>
-            <a:spLocks noGrp="1"/>
-          </p:cNvSpPr>
-          <p:nvPr>
-            <p:ph type="sldNum" sz="quarter" idx="10"/>
-          </p:nvPr>
-        </p:nvSpPr>
-        <p:spPr/>
-        <p:txBody>
-          <a:bodyPr/>
-          <a:lstStyle/>
-          <a:p>
-            <a:fld id="{9FB975F3-1C40-4D40-A7FE-36EEB7CAFC85}" type="slidenum">
-              <a:rPr lang="zh-CN" altLang="en-US" smtClean="0"/>
-              <a:t>10</a:t>
-            </a:fld>
-            <a:endParaRPr lang="zh-CN" altLang="en-US"/>
-          </a:p>
-        </p:txBody>
-      </p:sp>
-    </p:spTree>
-    <p:extLst>
-      <p:ext uri="{BB962C8B-B14F-4D97-AF65-F5344CB8AC3E}">
-        <p14:creationId xmlns:p14="http://schemas.microsoft.com/office/powerpoint/2010/main" val="2953249600"/>
+        <p14:creationId xmlns:p14="http://schemas.microsoft.com/office/powerpoint/2010/main" val="1522334888"/>
       </p:ext>
     </p:extLst>
   </p:cSld>
@@ -1385,7 +1130,7 @@
           <a:p>
             <a:fld id="{02E60DA2-A0BC-48C9-AA88-75C78721B420}" type="datetimeFigureOut">
               <a:rPr lang="zh-CN" altLang="en-US" smtClean="0"/>
-              <a:t>2018/5/21</a:t>
+              <a:t>2018/6/10</a:t>
             </a:fld>
             <a:endParaRPr lang="zh-CN" altLang="en-US"/>
           </a:p>
@@ -1607,7 +1352,7 @@
           <a:p>
             <a:fld id="{02E60DA2-A0BC-48C9-AA88-75C78721B420}" type="datetimeFigureOut">
               <a:rPr lang="zh-CN" altLang="en-US" smtClean="0"/>
-              <a:t>2018/5/21</a:t>
+              <a:t>2018/6/10</a:t>
             </a:fld>
             <a:endParaRPr lang="zh-CN" altLang="en-US"/>
           </a:p>
@@ -1839,7 +1584,7 @@
           <a:p>
             <a:fld id="{02E60DA2-A0BC-48C9-AA88-75C78721B420}" type="datetimeFigureOut">
               <a:rPr lang="zh-CN" altLang="en-US" smtClean="0"/>
-              <a:t>2018/5/21</a:t>
+              <a:t>2018/6/10</a:t>
             </a:fld>
             <a:endParaRPr lang="zh-CN" altLang="en-US"/>
           </a:p>
@@ -2089,7 +1834,7 @@
           <a:p>
             <a:fld id="{02E60DA2-A0BC-48C9-AA88-75C78721B420}" type="datetimeFigureOut">
               <a:rPr lang="zh-CN" altLang="en-US" smtClean="0"/>
-              <a:t>2018/5/21</a:t>
+              <a:t>2018/6/10</a:t>
             </a:fld>
             <a:endParaRPr lang="zh-CN" altLang="en-US"/>
           </a:p>
@@ -2327,7 +2072,7 @@
           <a:p>
             <a:fld id="{02E60DA2-A0BC-48C9-AA88-75C78721B420}" type="datetimeFigureOut">
               <a:rPr lang="zh-CN" altLang="en-US" smtClean="0"/>
-              <a:t>2018/5/21</a:t>
+              <a:t>2018/6/10</a:t>
             </a:fld>
             <a:endParaRPr lang="zh-CN" altLang="en-US"/>
           </a:p>
@@ -2673,7 +2418,7 @@
           <a:p>
             <a:fld id="{02E60DA2-A0BC-48C9-AA88-75C78721B420}" type="datetimeFigureOut">
               <a:rPr lang="zh-CN" altLang="en-US" smtClean="0"/>
-              <a:t>2018/5/21</a:t>
+              <a:t>2018/6/10</a:t>
             </a:fld>
             <a:endParaRPr lang="zh-CN" altLang="en-US"/>
           </a:p>
@@ -2976,7 +2721,7 @@
           <a:p>
             <a:fld id="{02E60DA2-A0BC-48C9-AA88-75C78721B420}" type="datetimeFigureOut">
               <a:rPr lang="zh-CN" altLang="en-US" smtClean="0"/>
-              <a:t>2018/5/21</a:t>
+              <a:t>2018/6/10</a:t>
             </a:fld>
             <a:endParaRPr lang="zh-CN" altLang="en-US"/>
           </a:p>
@@ -3427,7 +3172,7 @@
           <a:p>
             <a:fld id="{02E60DA2-A0BC-48C9-AA88-75C78721B420}" type="datetimeFigureOut">
               <a:rPr lang="zh-CN" altLang="en-US" smtClean="0"/>
-              <a:t>2018/5/21</a:t>
+              <a:t>2018/6/10</a:t>
             </a:fld>
             <a:endParaRPr lang="zh-CN" altLang="en-US"/>
           </a:p>
@@ -3600,7 +3345,7 @@
           <a:p>
             <a:fld id="{02E60DA2-A0BC-48C9-AA88-75C78721B420}" type="datetimeFigureOut">
               <a:rPr lang="zh-CN" altLang="en-US" smtClean="0"/>
-              <a:t>2018/5/21</a:t>
+              <a:t>2018/6/10</a:t>
             </a:fld>
             <a:endParaRPr lang="zh-CN" altLang="en-US"/>
           </a:p>
@@ -3737,7 +3482,7 @@
           <a:p>
             <a:fld id="{02E60DA2-A0BC-48C9-AA88-75C78721B420}" type="datetimeFigureOut">
               <a:rPr lang="zh-CN" altLang="en-US" smtClean="0"/>
-              <a:t>2018/5/21</a:t>
+              <a:t>2018/6/10</a:t>
             </a:fld>
             <a:endParaRPr lang="zh-CN" altLang="en-US"/>
           </a:p>
@@ -4081,7 +3826,7 @@
           <a:p>
             <a:fld id="{02E60DA2-A0BC-48C9-AA88-75C78721B420}" type="datetimeFigureOut">
               <a:rPr lang="zh-CN" altLang="en-US" smtClean="0"/>
-              <a:t>2018/5/21</a:t>
+              <a:t>2018/6/10</a:t>
             </a:fld>
             <a:endParaRPr lang="zh-CN" altLang="en-US"/>
           </a:p>
@@ -4303,7 +4048,7 @@
           <a:p>
             <a:fld id="{02E60DA2-A0BC-48C9-AA88-75C78721B420}" type="datetimeFigureOut">
               <a:rPr lang="zh-CN" altLang="en-US" smtClean="0"/>
-              <a:t>2018/5/21</a:t>
+              <a:t>2018/6/10</a:t>
             </a:fld>
             <a:endParaRPr lang="zh-CN" altLang="en-US"/>
           </a:p>
@@ -4624,7 +4369,7 @@
           <a:p>
             <a:fld id="{02E60DA2-A0BC-48C9-AA88-75C78721B420}" type="datetimeFigureOut">
               <a:rPr lang="zh-CN" altLang="en-US" smtClean="0"/>
-              <a:t>2018/5/21</a:t>
+              <a:t>2018/6/10</a:t>
             </a:fld>
             <a:endParaRPr lang="zh-CN" altLang="en-US"/>
           </a:p>
@@ -4862,7 +4607,7 @@
           <a:p>
             <a:fld id="{02E60DA2-A0BC-48C9-AA88-75C78721B420}" type="datetimeFigureOut">
               <a:rPr lang="zh-CN" altLang="en-US" smtClean="0"/>
-              <a:t>2018/5/21</a:t>
+              <a:t>2018/6/10</a:t>
             </a:fld>
             <a:endParaRPr lang="zh-CN" altLang="en-US"/>
           </a:p>
@@ -5100,7 +4845,7 @@
           <a:p>
             <a:fld id="{02E60DA2-A0BC-48C9-AA88-75C78721B420}" type="datetimeFigureOut">
               <a:rPr lang="zh-CN" altLang="en-US" smtClean="0"/>
-              <a:t>2018/5/21</a:t>
+              <a:t>2018/6/10</a:t>
             </a:fld>
             <a:endParaRPr lang="zh-CN" altLang="en-US"/>
           </a:p>
@@ -5399,7 +5144,7 @@
           <a:p>
             <a:fld id="{02E60DA2-A0BC-48C9-AA88-75C78721B420}" type="datetimeFigureOut">
               <a:rPr lang="zh-CN" altLang="en-US" smtClean="0"/>
-              <a:t>2018/5/21</a:t>
+              <a:t>2018/6/10</a:t>
             </a:fld>
             <a:endParaRPr lang="zh-CN" altLang="en-US"/>
           </a:p>
@@ -5688,7 +5433,7 @@
           <a:p>
             <a:fld id="{02E60DA2-A0BC-48C9-AA88-75C78721B420}" type="datetimeFigureOut">
               <a:rPr lang="zh-CN" altLang="en-US" smtClean="0"/>
-              <a:t>2018/5/21</a:t>
+              <a:t>2018/6/10</a:t>
             </a:fld>
             <a:endParaRPr lang="zh-CN" altLang="en-US"/>
           </a:p>
@@ -6124,7 +5869,7 @@
           <a:p>
             <a:fld id="{02E60DA2-A0BC-48C9-AA88-75C78721B420}" type="datetimeFigureOut">
               <a:rPr lang="zh-CN" altLang="en-US" smtClean="0"/>
-              <a:t>2018/5/21</a:t>
+              <a:t>2018/6/10</a:t>
             </a:fld>
             <a:endParaRPr lang="zh-CN" altLang="en-US"/>
           </a:p>
@@ -6289,7 +6034,7 @@
           <a:p>
             <a:fld id="{02E60DA2-A0BC-48C9-AA88-75C78721B420}" type="datetimeFigureOut">
               <a:rPr lang="zh-CN" altLang="en-US" smtClean="0"/>
-              <a:t>2018/5/21</a:t>
+              <a:t>2018/6/10</a:t>
             </a:fld>
             <a:endParaRPr lang="zh-CN" altLang="en-US"/>
           </a:p>
@@ -6426,7 +6171,7 @@
           <a:p>
             <a:fld id="{02E60DA2-A0BC-48C9-AA88-75C78721B420}" type="datetimeFigureOut">
               <a:rPr lang="zh-CN" altLang="en-US" smtClean="0"/>
-              <a:t>2018/5/21</a:t>
+              <a:t>2018/6/10</a:t>
             </a:fld>
             <a:endParaRPr lang="zh-CN" altLang="en-US"/>
           </a:p>
@@ -6761,7 +6506,7 @@
           <a:p>
             <a:fld id="{02E60DA2-A0BC-48C9-AA88-75C78721B420}" type="datetimeFigureOut">
               <a:rPr lang="zh-CN" altLang="en-US" smtClean="0"/>
-              <a:t>2018/5/21</a:t>
+              <a:t>2018/6/10</a:t>
             </a:fld>
             <a:endParaRPr lang="zh-CN" altLang="en-US"/>
           </a:p>
@@ -7073,7 +6818,7 @@
           <a:p>
             <a:fld id="{02E60DA2-A0BC-48C9-AA88-75C78721B420}" type="datetimeFigureOut">
               <a:rPr lang="zh-CN" altLang="en-US" smtClean="0"/>
-              <a:t>2018/5/21</a:t>
+              <a:t>2018/6/10</a:t>
             </a:fld>
             <a:endParaRPr lang="zh-CN" altLang="en-US"/>
           </a:p>
@@ -8268,316 +8013,6 @@
 </p:sld>
 </file>
 
-<file path=ppt/slides/slide10.xml><?xml version="1.0" encoding="utf-8"?>
-<p:sld xmlns:a="http://schemas.openxmlformats.org/drawingml/2006/main" xmlns:r="http://schemas.openxmlformats.org/officeDocument/2006/relationships" xmlns:p="http://schemas.openxmlformats.org/presentationml/2006/main">
-  <p:cSld>
-    <p:spTree>
-      <p:nvGrpSpPr>
-        <p:cNvPr id="1" name=""/>
-        <p:cNvGrpSpPr/>
-        <p:nvPr/>
-      </p:nvGrpSpPr>
-      <p:grpSpPr>
-        <a:xfrm>
-          <a:off x="0" y="0"/>
-          <a:ext cx="0" cy="0"/>
-          <a:chOff x="0" y="0"/>
-          <a:chExt cx="0" cy="0"/>
-        </a:xfrm>
-      </p:grpSpPr>
-      <p:sp>
-        <p:nvSpPr>
-          <p:cNvPr id="4" name="标题 3">
-            <a:extLst>
-              <a:ext uri="{FF2B5EF4-FFF2-40B4-BE49-F238E27FC236}">
-                <a16:creationId xmlns:a16="http://schemas.microsoft.com/office/drawing/2014/main" id="{2729939D-814A-4BD2-9922-3F8EA865938B}"/>
-              </a:ext>
-            </a:extLst>
-          </p:cNvPr>
-          <p:cNvSpPr>
-            <a:spLocks noGrp="1"/>
-          </p:cNvSpPr>
-          <p:nvPr>
-            <p:ph type="title"/>
-          </p:nvPr>
-        </p:nvSpPr>
-        <p:spPr>
-          <a:xfrm>
-            <a:off x="838200" y="683581"/>
-            <a:ext cx="10515600" cy="736846"/>
-          </a:xfrm>
-        </p:spPr>
-        <p:txBody>
-          <a:bodyPr/>
-          <a:lstStyle/>
-          <a:p>
-            <a:r>
-              <a:rPr lang="en-US" altLang="zh-CN" dirty="0"/>
-              <a:t>IO</a:t>
-            </a:r>
-            <a:r>
-              <a:rPr lang="zh-CN" altLang="en-US" dirty="0"/>
-              <a:t>重定向实现方式</a:t>
-            </a:r>
-          </a:p>
-        </p:txBody>
-      </p:sp>
-      <p:sp>
-        <p:nvSpPr>
-          <p:cNvPr id="6" name="内容占位符 5">
-            <a:extLst>
-              <a:ext uri="{FF2B5EF4-FFF2-40B4-BE49-F238E27FC236}">
-                <a16:creationId xmlns:a16="http://schemas.microsoft.com/office/drawing/2014/main" id="{B83E9AD4-C606-4679-B884-01F71CC97E44}"/>
-              </a:ext>
-            </a:extLst>
-          </p:cNvPr>
-          <p:cNvSpPr>
-            <a:spLocks noGrp="1"/>
-          </p:cNvSpPr>
-          <p:nvPr>
-            <p:ph idx="1"/>
-          </p:nvPr>
-        </p:nvSpPr>
-        <p:spPr>
-          <a:xfrm>
-            <a:off x="838200" y="1656500"/>
-            <a:ext cx="10515600" cy="4850832"/>
-          </a:xfrm>
-        </p:spPr>
-        <p:txBody>
-          <a:bodyPr>
-            <a:normAutofit/>
-          </a:bodyPr>
-          <a:lstStyle/>
-          <a:p>
-            <a:r>
-              <a:rPr lang="zh-CN" altLang="en-US" sz="2000" dirty="0"/>
-              <a:t>编程实现的方式（以文件描述符</a:t>
-            </a:r>
-            <a:r>
-              <a:rPr lang="en-US" altLang="zh-CN" sz="2000" dirty="0"/>
-              <a:t>1</a:t>
-            </a:r>
-            <a:r>
-              <a:rPr lang="zh-CN" altLang="en-US" sz="2000" dirty="0"/>
-              <a:t>为例）：</a:t>
-            </a:r>
-            <a:endParaRPr lang="en-US" altLang="zh-CN" sz="2000" dirty="0"/>
-          </a:p>
-          <a:p>
-            <a:endParaRPr lang="en-US" altLang="zh-CN" sz="2000" dirty="0"/>
-          </a:p>
-          <a:p>
-            <a:pPr lvl="1"/>
-            <a:r>
-              <a:rPr lang="en-US" altLang="zh-CN" sz="1800" dirty="0"/>
-              <a:t>close-open-close</a:t>
-            </a:r>
-            <a:r>
-              <a:rPr lang="zh-CN" altLang="en-US" sz="1800" dirty="0"/>
-              <a:t>方式，先</a:t>
-            </a:r>
-            <a:r>
-              <a:rPr lang="en-US" altLang="zh-CN" sz="1800" dirty="0"/>
-              <a:t>close(1)</a:t>
-            </a:r>
-            <a:r>
-              <a:rPr lang="zh-CN" altLang="en-US" sz="1800" dirty="0"/>
-              <a:t>，然后</a:t>
-            </a:r>
-            <a:r>
-              <a:rPr lang="en-US" altLang="zh-CN" sz="1800" dirty="0"/>
-              <a:t>open(filename, O_RDWR, S_IWUSR); </a:t>
-            </a:r>
-            <a:r>
-              <a:rPr lang="zh-CN" altLang="en-US" sz="1800" dirty="0"/>
-              <a:t>操作完成，</a:t>
-            </a:r>
-            <a:r>
-              <a:rPr lang="en-US" altLang="zh-CN" sz="1800" dirty="0"/>
-              <a:t>close</a:t>
-            </a:r>
-            <a:r>
-              <a:rPr lang="zh-CN" altLang="en-US" sz="1800" dirty="0"/>
-              <a:t>关闭新打开的文件。</a:t>
-            </a:r>
-            <a:endParaRPr lang="en-US" altLang="zh-CN" sz="1800" dirty="0"/>
-          </a:p>
-          <a:p>
-            <a:pPr lvl="1"/>
-            <a:endParaRPr lang="en-US" altLang="zh-CN" sz="1800" dirty="0"/>
-          </a:p>
-          <a:p>
-            <a:pPr lvl="1"/>
-            <a:r>
-              <a:rPr lang="en-US" altLang="zh-CN" sz="1800" dirty="0"/>
-              <a:t>open-close-dup-close</a:t>
-            </a:r>
-            <a:r>
-              <a:rPr lang="zh-CN" altLang="en-US" sz="1800" dirty="0"/>
-              <a:t>方式，</a:t>
-            </a:r>
-            <a:r>
-              <a:rPr lang="en-US" altLang="zh-CN" sz="1800" dirty="0"/>
-              <a:t>open</a:t>
-            </a:r>
-            <a:r>
-              <a:rPr lang="zh-CN" altLang="en-US" sz="1800" dirty="0"/>
-              <a:t>打开文件，返回的文件描述符不是</a:t>
-            </a:r>
-            <a:r>
-              <a:rPr lang="en-US" altLang="zh-CN" sz="1800" dirty="0"/>
-              <a:t>1</a:t>
-            </a:r>
-            <a:r>
-              <a:rPr lang="zh-CN" altLang="en-US" sz="1800" dirty="0"/>
-              <a:t>，然后</a:t>
-            </a:r>
-            <a:r>
-              <a:rPr lang="en-US" altLang="zh-CN" sz="1800" dirty="0"/>
-              <a:t>close(1)</a:t>
-            </a:r>
-            <a:r>
-              <a:rPr lang="zh-CN" altLang="en-US" sz="1800" dirty="0"/>
-              <a:t>，现在最低可用描述符是</a:t>
-            </a:r>
-            <a:r>
-              <a:rPr lang="en-US" altLang="zh-CN" sz="1800" dirty="0"/>
-              <a:t>1</a:t>
-            </a:r>
-            <a:r>
-              <a:rPr lang="zh-CN" altLang="en-US" sz="1800" dirty="0"/>
-              <a:t>，</a:t>
-            </a:r>
-            <a:r>
-              <a:rPr lang="en-US" altLang="zh-CN" sz="1800" dirty="0"/>
-              <a:t>dup(</a:t>
-            </a:r>
-            <a:r>
-              <a:rPr lang="en-US" altLang="zh-CN" sz="1800" dirty="0" err="1"/>
-              <a:t>fd</a:t>
-            </a:r>
-            <a:r>
-              <a:rPr lang="en-US" altLang="zh-CN" sz="1800" dirty="0"/>
-              <a:t>)</a:t>
-            </a:r>
-            <a:r>
-              <a:rPr lang="zh-CN" altLang="en-US" sz="1800" dirty="0"/>
-              <a:t>会把新打开的描述符复制到</a:t>
-            </a:r>
-            <a:r>
-              <a:rPr lang="en-US" altLang="zh-CN" sz="1800" dirty="0"/>
-              <a:t>1</a:t>
-            </a:r>
-            <a:r>
-              <a:rPr lang="zh-CN" altLang="en-US" sz="1800" dirty="0"/>
-              <a:t>，然后</a:t>
-            </a:r>
-            <a:r>
-              <a:rPr lang="en-US" altLang="zh-CN" sz="1800" dirty="0"/>
-              <a:t>close(</a:t>
-            </a:r>
-            <a:r>
-              <a:rPr lang="en-US" altLang="zh-CN" sz="1800" dirty="0" err="1"/>
-              <a:t>fd</a:t>
-            </a:r>
-            <a:r>
-              <a:rPr lang="en-US" altLang="zh-CN" sz="1800" dirty="0"/>
-              <a:t>)</a:t>
-            </a:r>
-            <a:r>
-              <a:rPr lang="zh-CN" altLang="en-US" sz="1800" dirty="0"/>
-              <a:t>关闭新打开的文件。</a:t>
-            </a:r>
-            <a:endParaRPr lang="en-US" altLang="zh-CN" sz="1800" dirty="0"/>
-          </a:p>
-          <a:p>
-            <a:pPr lvl="1"/>
-            <a:endParaRPr lang="en-US" altLang="zh-CN" sz="1800" dirty="0"/>
-          </a:p>
-          <a:p>
-            <a:pPr lvl="1"/>
-            <a:r>
-              <a:rPr lang="en-US" altLang="zh-CN" sz="1800" dirty="0"/>
-              <a:t>open-dup2-close</a:t>
-            </a:r>
-            <a:r>
-              <a:rPr lang="zh-CN" altLang="en-US" sz="1800" dirty="0"/>
-              <a:t>方式，</a:t>
-            </a:r>
-            <a:r>
-              <a:rPr lang="en-US" altLang="zh-CN" sz="1800" dirty="0"/>
-              <a:t>dup2(</a:t>
-            </a:r>
-            <a:r>
-              <a:rPr lang="en-US" altLang="zh-CN" sz="1800" dirty="0" err="1"/>
-              <a:t>oldfd</a:t>
-            </a:r>
-            <a:r>
-              <a:rPr lang="en-US" altLang="zh-CN" sz="1800" dirty="0"/>
-              <a:t> ,  </a:t>
-            </a:r>
-            <a:r>
-              <a:rPr lang="en-US" altLang="zh-CN" sz="1800" dirty="0" err="1"/>
-              <a:t>newfd</a:t>
-            </a:r>
-            <a:r>
-              <a:rPr lang="en-US" altLang="zh-CN" sz="1800" dirty="0"/>
-              <a:t>)</a:t>
-            </a:r>
-            <a:r>
-              <a:rPr lang="zh-CN" altLang="en-US" sz="1800" dirty="0"/>
-              <a:t>，关闭</a:t>
-            </a:r>
-            <a:r>
-              <a:rPr lang="en-US" altLang="zh-CN" sz="1800" dirty="0" err="1"/>
-              <a:t>newfd</a:t>
-            </a:r>
-            <a:r>
-              <a:rPr lang="zh-CN" altLang="en-US" sz="1800" dirty="0"/>
-              <a:t>，把</a:t>
-            </a:r>
-            <a:r>
-              <a:rPr lang="en-US" altLang="zh-CN" sz="1800" dirty="0" err="1"/>
-              <a:t>oldfd</a:t>
-            </a:r>
-            <a:r>
-              <a:rPr lang="zh-CN" altLang="en-US" sz="1800" dirty="0"/>
-              <a:t>复制到</a:t>
-            </a:r>
-            <a:r>
-              <a:rPr lang="en-US" altLang="zh-CN" sz="1800" dirty="0" err="1"/>
-              <a:t>newfd</a:t>
-            </a:r>
-            <a:r>
-              <a:rPr lang="zh-CN" altLang="en-US" sz="1800" dirty="0"/>
-              <a:t>，</a:t>
-            </a:r>
-            <a:r>
-              <a:rPr lang="en-US" altLang="zh-CN" sz="1800" dirty="0"/>
-              <a:t>close</a:t>
-            </a:r>
-            <a:r>
-              <a:rPr lang="zh-CN" altLang="en-US" sz="1800" dirty="0"/>
-              <a:t>关闭新打开的描述符。</a:t>
-            </a:r>
-            <a:endParaRPr lang="en-US" altLang="zh-CN" sz="1800" dirty="0"/>
-          </a:p>
-        </p:txBody>
-      </p:sp>
-    </p:spTree>
-    <p:extLst>
-      <p:ext uri="{BB962C8B-B14F-4D97-AF65-F5344CB8AC3E}">
-        <p14:creationId xmlns:p14="http://schemas.microsoft.com/office/powerpoint/2010/main" val="3097213095"/>
-      </p:ext>
-    </p:extLst>
-  </p:cSld>
-  <p:clrMapOvr>
-    <a:masterClrMapping/>
-  </p:clrMapOvr>
-</p:sld>
-</file>
-
 <file path=ppt/slides/slide2.xml><?xml version="1.0" encoding="utf-8"?>
 <p:sld xmlns:a="http://schemas.openxmlformats.org/drawingml/2006/main" xmlns:r="http://schemas.openxmlformats.org/officeDocument/2006/relationships" xmlns:p="http://schemas.openxmlformats.org/presentationml/2006/main">
   <p:cSld>
@@ -8657,134 +8092,170 @@
           <a:lstStyle/>
           <a:p>
             <a:r>
-              <a:rPr lang="zh-CN" altLang="en-US" sz="2000" dirty="0"/>
+              <a:rPr lang="zh-CN" altLang="en-US" sz="2400" dirty="0"/>
               <a:t>系统编程就是调用</a:t>
             </a:r>
             <a:r>
-              <a:rPr lang="en-US" altLang="zh-CN" sz="2000" dirty="0"/>
+              <a:rPr lang="en-US" altLang="zh-CN" sz="2400" dirty="0"/>
               <a:t>Linux</a:t>
             </a:r>
             <a:r>
-              <a:rPr lang="zh-CN" altLang="en-US" sz="2000" dirty="0"/>
+              <a:rPr lang="zh-CN" altLang="en-US" sz="2400" dirty="0"/>
               <a:t>系统提供的</a:t>
             </a:r>
             <a:r>
-              <a:rPr lang="en-US" altLang="zh-CN" sz="2000" dirty="0"/>
+              <a:rPr lang="en-US" altLang="zh-CN" sz="2400" dirty="0"/>
               <a:t>API</a:t>
             </a:r>
             <a:r>
-              <a:rPr lang="zh-CN" altLang="en-US" sz="2000" dirty="0"/>
+              <a:rPr lang="zh-CN" altLang="en-US" sz="2400" dirty="0"/>
               <a:t>完成需要的任务。</a:t>
             </a:r>
-            <a:endParaRPr lang="en-US" altLang="zh-CN" sz="2000" dirty="0"/>
-          </a:p>
-          <a:p>
-            <a:endParaRPr lang="en-US" altLang="zh-CN" sz="2000" dirty="0"/>
-          </a:p>
-          <a:p>
-            <a:r>
-              <a:rPr lang="en-US" altLang="zh-CN" sz="2000" dirty="0"/>
+            <a:endParaRPr lang="en-US" altLang="zh-CN" sz="2400" dirty="0"/>
+          </a:p>
+          <a:p>
+            <a:endParaRPr lang="en-US" altLang="zh-CN" sz="2400" dirty="0"/>
+          </a:p>
+          <a:p>
+            <a:r>
+              <a:rPr lang="en-US" altLang="zh-CN" sz="2400" dirty="0"/>
               <a:t>Linux</a:t>
             </a:r>
             <a:r>
-              <a:rPr lang="zh-CN" altLang="en-US" sz="2000" dirty="0"/>
-              <a:t>上的大多数命令都是编写的，多数都需要用到系统调用。</a:t>
-            </a:r>
-            <a:endParaRPr lang="en-US" altLang="zh-CN" sz="2000" dirty="0"/>
-          </a:p>
-          <a:p>
-            <a:endParaRPr lang="en-US" altLang="zh-CN" sz="2000" dirty="0"/>
-          </a:p>
-          <a:p>
-            <a:r>
-              <a:rPr lang="en-US" altLang="zh-CN" sz="2000" dirty="0"/>
+              <a:rPr lang="zh-CN" altLang="en-US" sz="2400" dirty="0"/>
+              <a:t>上的大多数</a:t>
+            </a:r>
+            <a:r>
+              <a:rPr lang="zh-CN" altLang="en-US" sz="2400"/>
+              <a:t>命令都是用</a:t>
+            </a:r>
+            <a:r>
+              <a:rPr lang="en-US" altLang="zh-CN" sz="2400"/>
+              <a:t>C</a:t>
+            </a:r>
+            <a:r>
+              <a:rPr lang="zh-CN" altLang="en-US" sz="2400"/>
+              <a:t>编写</a:t>
+            </a:r>
+            <a:r>
+              <a:rPr lang="zh-CN" altLang="en-US" sz="2400" dirty="0"/>
+              <a:t>的，多数都需要用到系统调用。</a:t>
+            </a:r>
+            <a:endParaRPr lang="en-US" altLang="zh-CN" sz="2400" dirty="0"/>
+          </a:p>
+          <a:p>
+            <a:endParaRPr lang="en-US" altLang="zh-CN" sz="2400" dirty="0"/>
+          </a:p>
+          <a:p>
+            <a:r>
+              <a:rPr lang="en-US" altLang="zh-CN" sz="2400" dirty="0"/>
               <a:t>man 2 [system call name]</a:t>
             </a:r>
             <a:r>
-              <a:rPr lang="zh-CN" altLang="en-US" sz="2000" dirty="0"/>
+              <a:rPr lang="zh-CN" altLang="en-US" sz="2400" dirty="0"/>
               <a:t>查看系统接口文档，</a:t>
             </a:r>
             <a:r>
-              <a:rPr lang="en-US" altLang="zh-CN" sz="2000" dirty="0"/>
+              <a:rPr lang="en-US" altLang="zh-CN" sz="2400" dirty="0"/>
               <a:t>man  </a:t>
             </a:r>
             <a:r>
-              <a:rPr lang="en-US" altLang="zh-CN" sz="2000"/>
+              <a:rPr lang="en-US" altLang="zh-CN" sz="2400"/>
               <a:t>3  [lib function] </a:t>
             </a:r>
             <a:r>
-              <a:rPr lang="zh-CN" altLang="en-US" sz="2000" dirty="0"/>
+              <a:rPr lang="zh-CN" altLang="en-US" sz="2400" dirty="0"/>
               <a:t>查看程序库函数的文档。文档开头都会说明需要引入的头文件，函数声明等信息。</a:t>
             </a:r>
-            <a:endParaRPr lang="en-US" altLang="zh-CN" sz="2000" dirty="0"/>
-          </a:p>
-          <a:p>
-            <a:endParaRPr lang="en-US" altLang="zh-CN" sz="2000" dirty="0"/>
-          </a:p>
-          <a:p>
-            <a:r>
-              <a:rPr lang="en-US" altLang="zh-CN" sz="2000" dirty="0"/>
+            <a:endParaRPr lang="en-US" altLang="zh-CN" sz="2400" dirty="0"/>
+          </a:p>
+          <a:p>
+            <a:endParaRPr lang="en-US" altLang="zh-CN" sz="2400" dirty="0"/>
+          </a:p>
+          <a:p>
+            <a:r>
+              <a:rPr lang="en-US" altLang="zh-CN" sz="2400" dirty="0"/>
               <a:t>man  </a:t>
             </a:r>
             <a:r>
-              <a:rPr lang="en-US" altLang="zh-CN" sz="2000" dirty="0" err="1"/>
+              <a:rPr lang="en-US" altLang="zh-CN" sz="2400" dirty="0" err="1"/>
               <a:t>syscalls</a:t>
             </a:r>
             <a:r>
-              <a:rPr lang="zh-CN" altLang="en-US" sz="2000" dirty="0"/>
+              <a:rPr lang="zh-CN" altLang="en-US" sz="2400" dirty="0"/>
               <a:t>查看所有系统调用（</a:t>
             </a:r>
             <a:r>
-              <a:rPr lang="en-US" altLang="zh-CN" sz="2000" dirty="0"/>
+              <a:rPr lang="en-US" altLang="zh-CN" sz="2400" dirty="0"/>
               <a:t>API</a:t>
             </a:r>
             <a:r>
-              <a:rPr lang="zh-CN" altLang="en-US" sz="2000" dirty="0"/>
+              <a:rPr lang="zh-CN" altLang="en-US" sz="2400" dirty="0"/>
               <a:t>）。</a:t>
             </a:r>
-            <a:endParaRPr lang="en-US" altLang="zh-CN" sz="2000" dirty="0"/>
-          </a:p>
-          <a:p>
-            <a:endParaRPr lang="en-US" altLang="zh-CN" sz="2000" dirty="0"/>
-          </a:p>
-          <a:p>
-            <a:r>
-              <a:rPr lang="zh-CN" altLang="en-US" sz="2000" dirty="0"/>
+            <a:endParaRPr lang="en-US" altLang="zh-CN" sz="2400" dirty="0"/>
+          </a:p>
+          <a:p>
+            <a:endParaRPr lang="en-US" altLang="zh-CN" sz="2400" dirty="0"/>
+          </a:p>
+          <a:p>
+            <a:r>
+              <a:rPr lang="zh-CN" altLang="en-US" sz="2400" dirty="0"/>
               <a:t>本次课程讲解基本的系统调用，主要包括获取进程</a:t>
             </a:r>
             <a:r>
-              <a:rPr lang="en-US" altLang="zh-CN" sz="2000" dirty="0"/>
+              <a:rPr lang="en-US" altLang="zh-CN" sz="2400" dirty="0"/>
               <a:t>ID</a:t>
             </a:r>
             <a:r>
-              <a:rPr lang="zh-CN" altLang="en-US" sz="2000" dirty="0"/>
+              <a:rPr lang="zh-CN" altLang="en-US" sz="2400" dirty="0"/>
               <a:t>，</a:t>
             </a:r>
             <a:r>
-              <a:rPr lang="en-US" altLang="zh-CN" sz="2000" dirty="0"/>
+              <a:rPr lang="en-US" altLang="zh-CN" sz="2400" dirty="0"/>
               <a:t>fork</a:t>
             </a:r>
             <a:r>
-              <a:rPr lang="zh-CN" altLang="en-US" sz="2000" dirty="0"/>
-              <a:t>创建子进程，</a:t>
-            </a:r>
-            <a:r>
-              <a:rPr lang="en-US" altLang="zh-CN" sz="2000" dirty="0"/>
-              <a:t>open/write/close</a:t>
-            </a:r>
-            <a:r>
-              <a:rPr lang="zh-CN" altLang="en-US" sz="2000" dirty="0"/>
+              <a:rPr lang="zh-CN" altLang="en-US" sz="2400" dirty="0"/>
+              <a:t>创建子进程</a:t>
+            </a:r>
+            <a:r>
+              <a:rPr lang="zh-CN" altLang="en-US" sz="2400"/>
+              <a:t>，</a:t>
+            </a:r>
+            <a:r>
+              <a:rPr lang="en-US" altLang="zh-CN" sz="2400"/>
+              <a:t>open</a:t>
+            </a:r>
+            <a:r>
+              <a:rPr lang="zh-CN" altLang="en-US" sz="2400"/>
+              <a:t>，</a:t>
+            </a:r>
+            <a:r>
+              <a:rPr lang="en-US" altLang="zh-CN" sz="2400"/>
+              <a:t>write</a:t>
+            </a:r>
+            <a:r>
+              <a:rPr lang="zh-CN" altLang="en-US" sz="2400" dirty="0"/>
+              <a:t>，</a:t>
+            </a:r>
+            <a:r>
+              <a:rPr lang="en-US" altLang="zh-CN" sz="2400"/>
+              <a:t>close</a:t>
+            </a:r>
+            <a:r>
+              <a:rPr lang="zh-CN" altLang="en-US" sz="2400" dirty="0"/>
               <a:t>操作文件，</a:t>
             </a:r>
             <a:r>
-              <a:rPr lang="en-US" altLang="zh-CN" sz="2000" dirty="0"/>
+              <a:rPr lang="en-US" altLang="zh-CN" sz="2400" dirty="0"/>
               <a:t>IO</a:t>
             </a:r>
             <a:r>
-              <a:rPr lang="zh-CN" altLang="en-US" sz="2000" dirty="0"/>
+              <a:rPr lang="zh-CN" altLang="en-US" sz="2400" dirty="0"/>
               <a:t>重定向如何实现等内容。</a:t>
             </a:r>
-            <a:endParaRPr lang="en-US" altLang="zh-CN" sz="2000" dirty="0"/>
+            <a:endParaRPr lang="en-US" altLang="zh-CN" sz="2400" dirty="0"/>
           </a:p>
         </p:txBody>
       </p:sp>
@@ -8885,47 +8356,67 @@
           <a:lstStyle/>
           <a:p>
             <a:r>
-              <a:rPr lang="zh-CN" altLang="en-US" sz="2000" dirty="0"/>
+              <a:rPr lang="zh-CN" altLang="en-US" sz="2400" dirty="0">
+                <a:latin typeface="Roboto Mono Light" pitchFamily="2" charset="0"/>
+              </a:rPr>
               <a:t>系统调用：</a:t>
             </a:r>
             <a:r>
-              <a:rPr lang="en-US" altLang="zh-CN" sz="2000" dirty="0" err="1"/>
+              <a:rPr lang="en-US" altLang="zh-CN" sz="2400" dirty="0" err="1">
+                <a:latin typeface="Roboto Mono Light" pitchFamily="2" charset="0"/>
+              </a:rPr>
               <a:t>pid_t</a:t>
             </a:r>
             <a:r>
-              <a:rPr lang="en-US" altLang="zh-CN" sz="2000" dirty="0"/>
+              <a:rPr lang="en-US" altLang="zh-CN" sz="2400" dirty="0">
+                <a:latin typeface="Roboto Mono Light" pitchFamily="2" charset="0"/>
+              </a:rPr>
               <a:t>  </a:t>
             </a:r>
             <a:r>
-              <a:rPr lang="en-US" altLang="zh-CN" sz="2000" dirty="0" err="1"/>
+              <a:rPr lang="en-US" altLang="zh-CN" sz="2400" dirty="0" err="1">
+                <a:latin typeface="Roboto Mono Light" pitchFamily="2" charset="0"/>
+              </a:rPr>
               <a:t>getpid</a:t>
             </a:r>
             <a:r>
-              <a:rPr lang="en-US" altLang="zh-CN" sz="2000" dirty="0"/>
+              <a:rPr lang="en-US" altLang="zh-CN" sz="2400" dirty="0">
+                <a:latin typeface="Roboto Mono Light" pitchFamily="2" charset="0"/>
+              </a:rPr>
               <a:t>();</a:t>
             </a:r>
           </a:p>
           <a:p>
             <a:r>
-              <a:rPr lang="zh-CN" altLang="en-US" sz="2000" dirty="0"/>
+              <a:rPr lang="zh-CN" altLang="en-US" sz="2400" dirty="0">
+                <a:latin typeface="Roboto Mono Light" pitchFamily="2" charset="0"/>
+              </a:rPr>
               <a:t>示例：</a:t>
             </a:r>
-            <a:endParaRPr lang="en-US" altLang="zh-CN" sz="2000" dirty="0"/>
+            <a:endParaRPr lang="en-US" altLang="zh-CN" sz="2400" dirty="0">
+              <a:latin typeface="Roboto Mono Light" pitchFamily="2" charset="0"/>
+            </a:endParaRPr>
           </a:p>
           <a:p>
             <a:pPr marL="457200" lvl="1" indent="0">
               <a:buNone/>
             </a:pPr>
             <a:r>
-              <a:rPr lang="en-US" altLang="zh-CN" sz="1600" dirty="0"/>
+              <a:rPr lang="en-US" altLang="zh-CN" sz="2000" dirty="0">
+                <a:latin typeface="Roboto Mono Light" pitchFamily="2" charset="0"/>
+              </a:rPr>
               <a:t>#include &lt;</a:t>
             </a:r>
             <a:r>
-              <a:rPr lang="en-US" altLang="zh-CN" sz="1600" dirty="0" err="1"/>
+              <a:rPr lang="en-US" altLang="zh-CN" sz="2000" dirty="0" err="1">
+                <a:latin typeface="Roboto Mono Light" pitchFamily="2" charset="0"/>
+              </a:rPr>
               <a:t>stdio.h</a:t>
             </a:r>
             <a:r>
-              <a:rPr lang="en-US" altLang="zh-CN" sz="1600" dirty="0"/>
+              <a:rPr lang="en-US" altLang="zh-CN" sz="2000" dirty="0">
+                <a:latin typeface="Roboto Mono Light" pitchFamily="2" charset="0"/>
+              </a:rPr>
               <a:t>&gt;</a:t>
             </a:r>
           </a:p>
@@ -8934,15 +8425,21 @@
               <a:buNone/>
             </a:pPr>
             <a:r>
-              <a:rPr lang="en-US" altLang="zh-CN" sz="1600" dirty="0"/>
+              <a:rPr lang="en-US" altLang="zh-CN" sz="2000" dirty="0">
+                <a:latin typeface="Roboto Mono Light" pitchFamily="2" charset="0"/>
+              </a:rPr>
               <a:t>#include &lt;sys/</a:t>
             </a:r>
             <a:r>
-              <a:rPr lang="en-US" altLang="zh-CN" sz="1600" dirty="0" err="1"/>
+              <a:rPr lang="en-US" altLang="zh-CN" sz="2000" dirty="0" err="1">
+                <a:latin typeface="Roboto Mono Light" pitchFamily="2" charset="0"/>
+              </a:rPr>
               <a:t>types.h</a:t>
             </a:r>
             <a:r>
-              <a:rPr lang="en-US" altLang="zh-CN" sz="1600" dirty="0"/>
+              <a:rPr lang="en-US" altLang="zh-CN" sz="2000" dirty="0">
+                <a:latin typeface="Roboto Mono Light" pitchFamily="2" charset="0"/>
+              </a:rPr>
               <a:t>&gt;</a:t>
             </a:r>
           </a:p>
@@ -8951,15 +8448,21 @@
               <a:buNone/>
             </a:pPr>
             <a:r>
-              <a:rPr lang="en-US" altLang="zh-CN" sz="1600" dirty="0"/>
+              <a:rPr lang="en-US" altLang="zh-CN" sz="2000" dirty="0">
+                <a:latin typeface="Roboto Mono Light" pitchFamily="2" charset="0"/>
+              </a:rPr>
               <a:t>#include &lt;</a:t>
             </a:r>
             <a:r>
-              <a:rPr lang="en-US" altLang="zh-CN" sz="1600" dirty="0" err="1"/>
+              <a:rPr lang="en-US" altLang="zh-CN" sz="2000" dirty="0" err="1">
+                <a:latin typeface="Roboto Mono Light" pitchFamily="2" charset="0"/>
+              </a:rPr>
               <a:t>unistd.h</a:t>
             </a:r>
             <a:r>
-              <a:rPr lang="en-US" altLang="zh-CN" sz="1600" dirty="0"/>
+              <a:rPr lang="en-US" altLang="zh-CN" sz="2000" dirty="0">
+                <a:latin typeface="Roboto Mono Light" pitchFamily="2" charset="0"/>
+              </a:rPr>
               <a:t>&gt;</a:t>
             </a:r>
           </a:p>
@@ -8967,42 +8470,60 @@
             <a:pPr marL="457200" lvl="1" indent="0">
               <a:buNone/>
             </a:pPr>
-            <a:endParaRPr lang="en-US" altLang="zh-CN" sz="1600" dirty="0"/>
+            <a:endParaRPr lang="en-US" altLang="zh-CN" sz="2000" dirty="0">
+              <a:latin typeface="Roboto Mono Light" pitchFamily="2" charset="0"/>
+            </a:endParaRPr>
           </a:p>
           <a:p>
             <a:pPr marL="457200" lvl="1" indent="0">
               <a:buNone/>
             </a:pPr>
             <a:r>
-              <a:rPr lang="en-US" altLang="zh-CN" sz="1600" dirty="0" err="1"/>
+              <a:rPr lang="en-US" altLang="zh-CN" sz="2000" dirty="0" err="1">
+                <a:latin typeface="Roboto Mono Light" pitchFamily="2" charset="0"/>
+              </a:rPr>
               <a:t>int</a:t>
             </a:r>
             <a:r>
-              <a:rPr lang="en-US" altLang="zh-CN" sz="1600" dirty="0"/>
+              <a:rPr lang="en-US" altLang="zh-CN" sz="2000" dirty="0">
+                <a:latin typeface="Roboto Mono Light" pitchFamily="2" charset="0"/>
+              </a:rPr>
               <a:t> main(</a:t>
             </a:r>
             <a:r>
-              <a:rPr lang="en-US" altLang="zh-CN" sz="1600" dirty="0" err="1"/>
+              <a:rPr lang="en-US" altLang="zh-CN" sz="2000" dirty="0" err="1">
+                <a:latin typeface="Roboto Mono Light" pitchFamily="2" charset="0"/>
+              </a:rPr>
               <a:t>int</a:t>
             </a:r>
             <a:r>
-              <a:rPr lang="en-US" altLang="zh-CN" sz="1600" dirty="0"/>
+              <a:rPr lang="en-US" altLang="zh-CN" sz="2000" dirty="0">
+                <a:latin typeface="Roboto Mono Light" pitchFamily="2" charset="0"/>
+              </a:rPr>
               <a:t> </a:t>
             </a:r>
             <a:r>
-              <a:rPr lang="en-US" altLang="zh-CN" sz="1600" dirty="0" err="1"/>
+              <a:rPr lang="en-US" altLang="zh-CN" sz="2000" dirty="0" err="1">
+                <a:latin typeface="Roboto Mono Light" pitchFamily="2" charset="0"/>
+              </a:rPr>
               <a:t>argc</a:t>
             </a:r>
             <a:r>
-              <a:rPr lang="en-US" altLang="zh-CN" sz="1600" dirty="0"/>
+              <a:rPr lang="en-US" altLang="zh-CN" sz="2000" dirty="0">
+                <a:latin typeface="Roboto Mono Light" pitchFamily="2" charset="0"/>
+              </a:rPr>
               <a:t>, char *</a:t>
             </a:r>
             <a:r>
-              <a:rPr lang="en-US" altLang="zh-CN" sz="1600" dirty="0" err="1"/>
+              <a:rPr lang="en-US" altLang="zh-CN" sz="2000" dirty="0" err="1">
+                <a:latin typeface="Roboto Mono Light" pitchFamily="2" charset="0"/>
+              </a:rPr>
               <a:t>argv</a:t>
             </a:r>
             <a:r>
-              <a:rPr lang="en-US" altLang="zh-CN" sz="1600" dirty="0"/>
+              <a:rPr lang="en-US" altLang="zh-CN" sz="2000" dirty="0">
+                <a:latin typeface="Roboto Mono Light" pitchFamily="2" charset="0"/>
+              </a:rPr>
               <a:t>[]) {</a:t>
             </a:r>
           </a:p>
@@ -9011,23 +8532,33 @@
               <a:buNone/>
             </a:pPr>
             <a:r>
-              <a:rPr lang="en-US" altLang="zh-CN" sz="1600" dirty="0"/>
+              <a:rPr lang="en-US" altLang="zh-CN" sz="2000" dirty="0">
+                <a:latin typeface="Roboto Mono Light" pitchFamily="2" charset="0"/>
+              </a:rPr>
               <a:t>	</a:t>
             </a:r>
             <a:r>
-              <a:rPr lang="en-US" altLang="zh-CN" sz="1600" dirty="0" err="1"/>
+              <a:rPr lang="en-US" altLang="zh-CN" sz="2000" dirty="0" err="1">
+                <a:latin typeface="Roboto Mono Light" pitchFamily="2" charset="0"/>
+              </a:rPr>
               <a:t>printf</a:t>
             </a:r>
             <a:r>
-              <a:rPr lang="en-US" altLang="zh-CN" sz="1600" dirty="0"/>
+              <a:rPr lang="en-US" altLang="zh-CN" sz="2000" dirty="0">
+                <a:latin typeface="Roboto Mono Light" pitchFamily="2" charset="0"/>
+              </a:rPr>
               <a:t>(“%d\n”, </a:t>
             </a:r>
             <a:r>
-              <a:rPr lang="en-US" altLang="zh-CN" sz="1600" dirty="0" err="1"/>
+              <a:rPr lang="en-US" altLang="zh-CN" sz="2000" dirty="0" err="1">
+                <a:latin typeface="Roboto Mono Light" pitchFamily="2" charset="0"/>
+              </a:rPr>
               <a:t>getpid</a:t>
             </a:r>
             <a:r>
-              <a:rPr lang="en-US" altLang="zh-CN" sz="1600" dirty="0"/>
+              <a:rPr lang="en-US" altLang="zh-CN" sz="2000" dirty="0">
+                <a:latin typeface="Roboto Mono Light" pitchFamily="2" charset="0"/>
+              </a:rPr>
               <a:t>() );</a:t>
             </a:r>
           </a:p>
@@ -9036,7 +8567,9 @@
               <a:buNone/>
             </a:pPr>
             <a:r>
-              <a:rPr lang="en-US" altLang="zh-CN" sz="1600" dirty="0"/>
+              <a:rPr lang="en-US" altLang="zh-CN" sz="2000" dirty="0">
+                <a:latin typeface="Roboto Mono Light" pitchFamily="2" charset="0"/>
+              </a:rPr>
               <a:t>	return 0;</a:t>
             </a:r>
           </a:p>
@@ -9045,7 +8578,9 @@
               <a:buNone/>
             </a:pPr>
             <a:r>
-              <a:rPr lang="en-US" altLang="zh-CN" sz="1600" dirty="0"/>
+              <a:rPr lang="en-US" altLang="zh-CN" sz="2000" dirty="0">
+                <a:latin typeface="Roboto Mono Light" pitchFamily="2" charset="0"/>
+              </a:rPr>
               <a:t>}</a:t>
             </a:r>
           </a:p>
@@ -9151,87 +8686,131 @@
           <a:lstStyle/>
           <a:p>
             <a:r>
-              <a:rPr lang="zh-CN" altLang="en-US" sz="2000" dirty="0"/>
+              <a:rPr lang="zh-CN" altLang="en-US" sz="2400" dirty="0">
+                <a:latin typeface="Roboto Mono Light" pitchFamily="2" charset="0"/>
+              </a:rPr>
               <a:t>系统调用：</a:t>
             </a:r>
             <a:r>
-              <a:rPr lang="en-US" altLang="zh-CN" sz="2000" dirty="0" err="1"/>
+              <a:rPr lang="en-US" altLang="zh-CN" sz="2400" dirty="0" err="1">
+                <a:latin typeface="Roboto Mono Light" pitchFamily="2" charset="0"/>
+              </a:rPr>
               <a:t>pid_t</a:t>
             </a:r>
             <a:r>
-              <a:rPr lang="en-US" altLang="zh-CN" sz="2000" dirty="0"/>
+              <a:rPr lang="en-US" altLang="zh-CN" sz="2400" dirty="0">
+                <a:latin typeface="Roboto Mono Light" pitchFamily="2" charset="0"/>
+              </a:rPr>
               <a:t>  fork();</a:t>
             </a:r>
           </a:p>
           <a:p>
-            <a:endParaRPr lang="en-US" altLang="zh-CN" sz="2000" dirty="0"/>
-          </a:p>
-          <a:p>
-            <a:r>
-              <a:rPr lang="en-US" altLang="zh-CN" sz="2000" dirty="0"/>
+            <a:endParaRPr lang="en-US" altLang="zh-CN" sz="2400" dirty="0">
+              <a:latin typeface="Roboto Mono Light" pitchFamily="2" charset="0"/>
+            </a:endParaRPr>
+          </a:p>
+          <a:p>
+            <a:r>
+              <a:rPr lang="en-US" altLang="zh-CN" sz="2400" dirty="0">
+                <a:latin typeface="Roboto Mono Light" pitchFamily="2" charset="0"/>
+              </a:rPr>
               <a:t>fork</a:t>
             </a:r>
             <a:r>
-              <a:rPr lang="zh-CN" altLang="en-US" sz="2000" dirty="0"/>
+              <a:rPr lang="zh-CN" altLang="en-US" sz="2400" dirty="0">
+                <a:latin typeface="Roboto Mono Light" pitchFamily="2" charset="0"/>
+              </a:rPr>
               <a:t>会创建子进程，调用</a:t>
             </a:r>
             <a:r>
-              <a:rPr lang="en-US" altLang="zh-CN" sz="2000" dirty="0"/>
+              <a:rPr lang="en-US" altLang="zh-CN" sz="2400" dirty="0">
+                <a:latin typeface="Roboto Mono Light" pitchFamily="2" charset="0"/>
+              </a:rPr>
               <a:t>fork</a:t>
             </a:r>
             <a:r>
-              <a:rPr lang="zh-CN" altLang="en-US" sz="2000" dirty="0"/>
+              <a:rPr lang="zh-CN" altLang="en-US" sz="2400" dirty="0">
+                <a:latin typeface="Roboto Mono Light" pitchFamily="2" charset="0"/>
+              </a:rPr>
               <a:t>，新创建的进程会和父进程一样继续执行。</a:t>
             </a:r>
-            <a:endParaRPr lang="en-US" altLang="zh-CN" sz="2000" dirty="0"/>
-          </a:p>
-          <a:p>
-            <a:endParaRPr lang="en-US" altLang="zh-CN" sz="2000" dirty="0"/>
-          </a:p>
-          <a:p>
-            <a:r>
-              <a:rPr lang="en-US" altLang="zh-CN" sz="2000" dirty="0"/>
+            <a:endParaRPr lang="en-US" altLang="zh-CN" sz="2400" dirty="0">
+              <a:latin typeface="Roboto Mono Light" pitchFamily="2" charset="0"/>
+            </a:endParaRPr>
+          </a:p>
+          <a:p>
+            <a:endParaRPr lang="en-US" altLang="zh-CN" sz="2400" dirty="0">
+              <a:latin typeface="Roboto Mono Light" pitchFamily="2" charset="0"/>
+            </a:endParaRPr>
+          </a:p>
+          <a:p>
+            <a:r>
+              <a:rPr lang="en-US" altLang="zh-CN" sz="2400" dirty="0">
+                <a:latin typeface="Roboto Mono Light" pitchFamily="2" charset="0"/>
+              </a:rPr>
               <a:t>fork</a:t>
             </a:r>
             <a:r>
-              <a:rPr lang="zh-CN" altLang="en-US" sz="2000" dirty="0"/>
+              <a:rPr lang="zh-CN" altLang="en-US" sz="2400" dirty="0">
+                <a:latin typeface="Roboto Mono Light" pitchFamily="2" charset="0"/>
+              </a:rPr>
               <a:t>出错返回</a:t>
             </a:r>
             <a:r>
-              <a:rPr lang="en-US" altLang="zh-CN" sz="2000" dirty="0"/>
+              <a:rPr lang="en-US" altLang="zh-CN" sz="2400" dirty="0">
+                <a:latin typeface="Roboto Mono Light" pitchFamily="2" charset="0"/>
+              </a:rPr>
               <a:t>-1</a:t>
             </a:r>
             <a:r>
-              <a:rPr lang="zh-CN" altLang="en-US" sz="2000" dirty="0"/>
+              <a:rPr lang="zh-CN" altLang="en-US" sz="2400" dirty="0">
+                <a:latin typeface="Roboto Mono Light" pitchFamily="2" charset="0"/>
+              </a:rPr>
               <a:t>并且不会创建新的进程；正确则在父进程返回创建子进程的</a:t>
             </a:r>
             <a:r>
-              <a:rPr lang="en-US" altLang="zh-CN" sz="2000" dirty="0"/>
+              <a:rPr lang="en-US" altLang="zh-CN" sz="2400" dirty="0">
+                <a:latin typeface="Roboto Mono Light" pitchFamily="2" charset="0"/>
+              </a:rPr>
               <a:t>PID</a:t>
             </a:r>
             <a:r>
-              <a:rPr lang="zh-CN" altLang="en-US" sz="2000" dirty="0"/>
+              <a:rPr lang="zh-CN" altLang="en-US" sz="2400" dirty="0">
+                <a:latin typeface="Roboto Mono Light" pitchFamily="2" charset="0"/>
+              </a:rPr>
               <a:t>，在子进程返回</a:t>
             </a:r>
             <a:r>
-              <a:rPr lang="en-US" altLang="zh-CN" sz="2000" dirty="0"/>
+              <a:rPr lang="en-US" altLang="zh-CN" sz="2400" dirty="0">
+                <a:latin typeface="Roboto Mono Light" pitchFamily="2" charset="0"/>
+              </a:rPr>
               <a:t>0</a:t>
             </a:r>
             <a:r>
-              <a:rPr lang="zh-CN" altLang="en-US" sz="2000" dirty="0"/>
+              <a:rPr lang="zh-CN" altLang="en-US" sz="2400" dirty="0">
+                <a:latin typeface="Roboto Mono Light" pitchFamily="2" charset="0"/>
+              </a:rPr>
               <a:t>。</a:t>
             </a:r>
-            <a:endParaRPr lang="en-US" altLang="zh-CN" sz="2000" dirty="0"/>
-          </a:p>
-          <a:p>
-            <a:endParaRPr lang="en-US" altLang="zh-CN" sz="2000" dirty="0"/>
-          </a:p>
-          <a:p>
-            <a:r>
-              <a:rPr lang="zh-CN" altLang="en-US" sz="2000" dirty="0"/>
+            <a:endParaRPr lang="en-US" altLang="zh-CN" sz="2400" dirty="0">
+              <a:latin typeface="Roboto Mono Light" pitchFamily="2" charset="0"/>
+            </a:endParaRPr>
+          </a:p>
+          <a:p>
+            <a:endParaRPr lang="en-US" altLang="zh-CN" sz="2400" dirty="0">
+              <a:latin typeface="Roboto Mono Light" pitchFamily="2" charset="0"/>
+            </a:endParaRPr>
+          </a:p>
+          <a:p>
+            <a:r>
+              <a:rPr lang="zh-CN" altLang="en-US" sz="2400" dirty="0">
+                <a:latin typeface="Roboto Mono Light" pitchFamily="2" charset="0"/>
+              </a:rPr>
               <a:t>由于父进程和子进程不同的返回值。可以通过判断返回值控制父进程和子进程执行不同的代码。</a:t>
             </a:r>
-            <a:endParaRPr lang="en-US" altLang="zh-CN" sz="2000" dirty="0"/>
+            <a:endParaRPr lang="en-US" altLang="zh-CN" sz="2400" dirty="0">
+              <a:latin typeface="Roboto Mono Light" pitchFamily="2" charset="0"/>
+            </a:endParaRPr>
           </a:p>
         </p:txBody>
       </p:sp>
@@ -9327,142 +8906,268 @@
           <a:lstStyle/>
           <a:p>
             <a:r>
-              <a:rPr lang="zh-CN" altLang="en-US" sz="2000" dirty="0"/>
+              <a:rPr lang="zh-CN" altLang="en-US" sz="2400" dirty="0">
+                <a:latin typeface="Roboto Mono Light" pitchFamily="2" charset="0"/>
+              </a:rPr>
               <a:t>系统调用：</a:t>
             </a:r>
             <a:r>
-              <a:rPr lang="en-US" altLang="zh-CN" sz="2000" dirty="0" err="1"/>
+              <a:rPr lang="en-US" altLang="zh-CN" sz="2400" dirty="0" err="1">
+                <a:latin typeface="Roboto Mono Light" pitchFamily="2" charset="0"/>
+              </a:rPr>
               <a:t>pid_t</a:t>
             </a:r>
             <a:r>
-              <a:rPr lang="en-US" altLang="zh-CN" sz="2000" dirty="0"/>
+              <a:rPr lang="en-US" altLang="zh-CN" sz="2400" dirty="0">
+                <a:latin typeface="Roboto Mono Light" pitchFamily="2" charset="0"/>
+              </a:rPr>
               <a:t>  wait(</a:t>
             </a:r>
             <a:r>
-              <a:rPr lang="en-US" altLang="zh-CN" sz="2000" dirty="0" err="1"/>
+              <a:rPr lang="en-US" altLang="zh-CN" sz="2400" dirty="0" err="1">
+                <a:latin typeface="Roboto Mono Light" pitchFamily="2" charset="0"/>
+              </a:rPr>
               <a:t>int</a:t>
             </a:r>
             <a:r>
-              <a:rPr lang="en-US" altLang="zh-CN" sz="2000" dirty="0"/>
-              <a:t> *status);</a:t>
-            </a:r>
-          </a:p>
-          <a:p>
-            <a:r>
-              <a:rPr lang="en-US" altLang="zh-CN" sz="2000" dirty="0"/>
+              <a:rPr lang="en-US" altLang="zh-CN" sz="2400" dirty="0">
+                <a:latin typeface="Roboto Mono Light" pitchFamily="2" charset="0"/>
+              </a:rPr>
+              <a:t> *</a:t>
+            </a:r>
+            <a:r>
+              <a:rPr lang="en-US" altLang="zh-CN" sz="2400">
+                <a:latin typeface="Roboto Mono Light" pitchFamily="2" charset="0"/>
+              </a:rPr>
+              <a:t>status);</a:t>
+            </a:r>
+          </a:p>
+          <a:p>
+            <a:r>
+              <a:rPr lang="en-US" altLang="zh-CN" sz="2400">
+                <a:latin typeface="Roboto Mono Light" pitchFamily="2" charset="0"/>
+              </a:rPr>
               <a:t>wait</a:t>
             </a:r>
             <a:r>
-              <a:rPr lang="zh-CN" altLang="en-US" sz="2000" dirty="0"/>
+              <a:rPr lang="zh-CN" altLang="en-US" sz="2400" dirty="0">
+                <a:latin typeface="Roboto Mono Light" pitchFamily="2" charset="0"/>
+              </a:rPr>
               <a:t>等待子进程退出，并把子进程退出状态设置到</a:t>
             </a:r>
             <a:r>
-              <a:rPr lang="en-US" altLang="zh-CN" sz="2000" dirty="0"/>
+              <a:rPr lang="en-US" altLang="zh-CN" sz="2400" dirty="0">
+                <a:latin typeface="Roboto Mono Light" pitchFamily="2" charset="0"/>
+              </a:rPr>
               <a:t>status</a:t>
             </a:r>
             <a:r>
-              <a:rPr lang="zh-CN" altLang="en-US" sz="2000" dirty="0"/>
+              <a:rPr lang="zh-CN" altLang="en-US" sz="2400" dirty="0">
+                <a:latin typeface="Roboto Mono Light" pitchFamily="2" charset="0"/>
+              </a:rPr>
               <a:t>变量。返回退出进程的</a:t>
             </a:r>
             <a:r>
-              <a:rPr lang="en-US" altLang="zh-CN" sz="2000" dirty="0"/>
+              <a:rPr lang="en-US" altLang="zh-CN" sz="2400" dirty="0">
+                <a:latin typeface="Roboto Mono Light" pitchFamily="2" charset="0"/>
+              </a:rPr>
               <a:t>PID</a:t>
             </a:r>
             <a:r>
-              <a:rPr lang="zh-CN" altLang="en-US" sz="2000" dirty="0"/>
+              <a:rPr lang="zh-CN" altLang="en-US" sz="2400" dirty="0">
+                <a:latin typeface="Roboto Mono Light" pitchFamily="2" charset="0"/>
+              </a:rPr>
               <a:t>。</a:t>
             </a:r>
-            <a:endParaRPr lang="en-US" altLang="zh-CN" sz="2000" dirty="0"/>
-          </a:p>
-          <a:p>
-            <a:r>
-              <a:rPr lang="en-US" altLang="zh-CN" sz="2000" dirty="0"/>
+            <a:endParaRPr lang="en-US" altLang="zh-CN" sz="2400" dirty="0">
+              <a:latin typeface="Roboto Mono Light" pitchFamily="2" charset="0"/>
+            </a:endParaRPr>
+          </a:p>
+          <a:p>
+            <a:endParaRPr lang="en-US" altLang="zh-CN" sz="2400">
+              <a:latin typeface="Roboto Mono Light" pitchFamily="2" charset="0"/>
+            </a:endParaRPr>
+          </a:p>
+          <a:p>
+            <a:r>
+              <a:rPr lang="en-US" altLang="zh-CN" sz="2400">
+                <a:latin typeface="Roboto Mono Light" pitchFamily="2" charset="0"/>
+              </a:rPr>
               <a:t>wait</a:t>
             </a:r>
             <a:r>
-              <a:rPr lang="zh-CN" altLang="en-US" sz="2000" dirty="0"/>
-              <a:t>调用会挂起父进程，直到子进程退出。</a:t>
-            </a:r>
-            <a:endParaRPr lang="en-US" altLang="zh-CN" sz="2000" dirty="0"/>
-          </a:p>
-          <a:p>
-            <a:r>
-              <a:rPr lang="zh-CN" altLang="en-US" sz="2000" dirty="0"/>
+              <a:rPr lang="zh-CN" altLang="en-US" sz="2400" dirty="0">
+                <a:latin typeface="Roboto Mono Light" pitchFamily="2" charset="0"/>
+              </a:rPr>
+              <a:t>调用会挂起父进程，直到子进程</a:t>
+            </a:r>
+            <a:r>
+              <a:rPr lang="zh-CN" altLang="en-US" sz="2400">
+                <a:latin typeface="Roboto Mono Light" pitchFamily="2" charset="0"/>
+              </a:rPr>
+              <a:t>退出。</a:t>
+            </a:r>
+            <a:endParaRPr lang="en-US" altLang="zh-CN" sz="2400">
+              <a:latin typeface="Roboto Mono Light" pitchFamily="2" charset="0"/>
+            </a:endParaRPr>
+          </a:p>
+          <a:p>
+            <a:endParaRPr lang="en-US" altLang="zh-CN" sz="2400" dirty="0">
+              <a:latin typeface="Roboto Mono Light" pitchFamily="2" charset="0"/>
+            </a:endParaRPr>
+          </a:p>
+          <a:p>
+            <a:r>
+              <a:rPr lang="zh-CN" altLang="en-US" sz="2400" dirty="0">
+                <a:latin typeface="Roboto Mono Light" pitchFamily="2" charset="0"/>
+              </a:rPr>
               <a:t>类似的调用还有</a:t>
             </a:r>
             <a:r>
-              <a:rPr lang="en-US" altLang="zh-CN" sz="2000" dirty="0" err="1"/>
+              <a:rPr lang="en-US" altLang="zh-CN" sz="2400" dirty="0" err="1">
+                <a:latin typeface="Roboto Mono Light" pitchFamily="2" charset="0"/>
+              </a:rPr>
               <a:t>pid_t</a:t>
             </a:r>
             <a:r>
-              <a:rPr lang="en-US" altLang="zh-CN" sz="2000" dirty="0"/>
+              <a:rPr lang="en-US" altLang="zh-CN" sz="2400" dirty="0">
+                <a:latin typeface="Roboto Mono Light" pitchFamily="2" charset="0"/>
+              </a:rPr>
               <a:t> </a:t>
             </a:r>
             <a:r>
-              <a:rPr lang="en-US" altLang="zh-CN" sz="2000" dirty="0" err="1"/>
+              <a:rPr lang="en-US" altLang="zh-CN" sz="2400" dirty="0" err="1">
+                <a:latin typeface="Roboto Mono Light" pitchFamily="2" charset="0"/>
+              </a:rPr>
               <a:t>waitpid</a:t>
             </a:r>
             <a:r>
-              <a:rPr lang="en-US" altLang="zh-CN" sz="2000" dirty="0"/>
+              <a:rPr lang="en-US" altLang="zh-CN" sz="2400" dirty="0">
+                <a:latin typeface="Roboto Mono Light" pitchFamily="2" charset="0"/>
+              </a:rPr>
               <a:t>(</a:t>
             </a:r>
             <a:r>
-              <a:rPr lang="en-US" altLang="zh-CN" sz="2000" dirty="0" err="1"/>
+              <a:rPr lang="en-US" altLang="zh-CN" sz="2400" dirty="0" err="1">
+                <a:latin typeface="Roboto Mono Light" pitchFamily="2" charset="0"/>
+              </a:rPr>
               <a:t>pid_t</a:t>
             </a:r>
             <a:r>
-              <a:rPr lang="en-US" altLang="zh-CN" sz="2000" dirty="0"/>
+              <a:rPr lang="en-US" altLang="zh-CN" sz="2400" dirty="0">
+                <a:latin typeface="Roboto Mono Light" pitchFamily="2" charset="0"/>
+              </a:rPr>
               <a:t> </a:t>
             </a:r>
             <a:r>
-              <a:rPr lang="en-US" altLang="zh-CN" sz="2000" dirty="0" err="1"/>
+              <a:rPr lang="en-US" altLang="zh-CN" sz="2400" dirty="0" err="1">
+                <a:latin typeface="Roboto Mono Light" pitchFamily="2" charset="0"/>
+              </a:rPr>
               <a:t>pid</a:t>
             </a:r>
             <a:r>
-              <a:rPr lang="en-US" altLang="zh-CN" sz="2000" dirty="0"/>
+              <a:rPr lang="en-US" altLang="zh-CN" sz="2400" dirty="0">
+                <a:latin typeface="Roboto Mono Light" pitchFamily="2" charset="0"/>
+              </a:rPr>
               <a:t>, </a:t>
             </a:r>
             <a:r>
-              <a:rPr lang="en-US" altLang="zh-CN" sz="2000" dirty="0" err="1"/>
+              <a:rPr lang="en-US" altLang="zh-CN" sz="2400" dirty="0" err="1">
+                <a:latin typeface="Roboto Mono Light" pitchFamily="2" charset="0"/>
+              </a:rPr>
               <a:t>int</a:t>
             </a:r>
             <a:r>
-              <a:rPr lang="en-US" altLang="zh-CN" sz="2000" dirty="0"/>
+              <a:rPr lang="en-US" altLang="zh-CN" sz="2400" dirty="0">
+                <a:latin typeface="Roboto Mono Light" pitchFamily="2" charset="0"/>
+              </a:rPr>
               <a:t> *status, </a:t>
             </a:r>
             <a:r>
-              <a:rPr lang="en-US" altLang="zh-CN" sz="2000" dirty="0" err="1"/>
+              <a:rPr lang="en-US" altLang="zh-CN" sz="2400" dirty="0" err="1">
+                <a:latin typeface="Roboto Mono Light" pitchFamily="2" charset="0"/>
+              </a:rPr>
               <a:t>int</a:t>
             </a:r>
             <a:r>
-              <a:rPr lang="en-US" altLang="zh-CN" sz="2000" dirty="0"/>
-              <a:t> options);</a:t>
-            </a:r>
-            <a:r>
-              <a:rPr lang="zh-CN" altLang="en-US" sz="2000" dirty="0"/>
-              <a:t>详细说明可在终端运行</a:t>
-            </a:r>
-            <a:endParaRPr lang="en-US" altLang="zh-CN" sz="2000" dirty="0"/>
-          </a:p>
-          <a:p>
-            <a:pPr marL="914400" lvl="2" indent="0">
+              <a:rPr lang="en-US" altLang="zh-CN" sz="2400" dirty="0">
+                <a:latin typeface="Roboto Mono Light" pitchFamily="2" charset="0"/>
+              </a:rPr>
+              <a:t> options</a:t>
+            </a:r>
+            <a:r>
+              <a:rPr lang="en-US" altLang="zh-CN" sz="2400">
+                <a:latin typeface="Roboto Mono Light" pitchFamily="2" charset="0"/>
+              </a:rPr>
+              <a:t>);</a:t>
+            </a:r>
+            <a:r>
+              <a:rPr lang="zh-CN" altLang="en-US" sz="2400">
+                <a:latin typeface="Roboto Mono Light" pitchFamily="2" charset="0"/>
+              </a:rPr>
+              <a:t>详 细说</a:t>
+            </a:r>
+            <a:r>
+              <a:rPr lang="zh-CN" altLang="en-US" sz="2400" dirty="0">
+                <a:latin typeface="Roboto Mono Light" pitchFamily="2" charset="0"/>
+              </a:rPr>
+              <a:t>明可在</a:t>
+            </a:r>
+            <a:r>
+              <a:rPr lang="zh-CN" altLang="en-US" sz="2400">
+                <a:latin typeface="Roboto Mono Light" pitchFamily="2" charset="0"/>
+              </a:rPr>
+              <a:t>终端运行 </a:t>
+            </a:r>
+            <a:r>
+              <a:rPr lang="en-US" altLang="zh-CN" sz="2400">
+                <a:latin typeface="Roboto Mono Light" pitchFamily="2" charset="0"/>
+              </a:rPr>
+              <a:t>man 2 waitpid</a:t>
+            </a:r>
+            <a:r>
+              <a:rPr lang="zh-CN" altLang="en-US" sz="2400">
+                <a:latin typeface="Roboto Mono Light" pitchFamily="2" charset="0"/>
+              </a:rPr>
+              <a:t>查看。</a:t>
+            </a:r>
+            <a:endParaRPr lang="en-US" altLang="zh-CN" sz="2400">
+              <a:latin typeface="Roboto Mono Light" pitchFamily="2" charset="0"/>
+            </a:endParaRPr>
+          </a:p>
+          <a:p>
+            <a:endParaRPr lang="en-US" altLang="zh-CN" sz="2400">
+              <a:latin typeface="Roboto Mono Light" pitchFamily="2" charset="0"/>
+            </a:endParaRPr>
+          </a:p>
+          <a:p>
+            <a:r>
+              <a:rPr lang="en-US" altLang="zh-CN" sz="2400">
+                <a:latin typeface="Roboto Mono Light" pitchFamily="2" charset="0"/>
+              </a:rPr>
+              <a:t>wait</a:t>
+            </a:r>
+            <a:r>
+              <a:rPr lang="zh-CN" altLang="en-US" sz="2400">
+                <a:latin typeface="Roboto Mono Light" pitchFamily="2" charset="0"/>
+              </a:rPr>
+              <a:t>调用相当于调用</a:t>
+            </a:r>
+            <a:r>
+              <a:rPr lang="en-US" altLang="zh-CN" sz="2400">
+                <a:latin typeface="Roboto Mono Light" pitchFamily="2" charset="0"/>
+              </a:rPr>
+              <a:t>waitpid(-1, &amp;status, 0);</a:t>
+            </a:r>
+            <a:endParaRPr lang="en-US" altLang="zh-CN" sz="2400" dirty="0">
+              <a:latin typeface="Roboto Mono Light" pitchFamily="2" charset="0"/>
+            </a:endParaRPr>
+          </a:p>
+          <a:p>
+            <a:pPr marL="0" indent="0">
               <a:buNone/>
             </a:pPr>
-            <a:r>
-              <a:rPr lang="en-US" altLang="zh-CN" sz="1800" dirty="0"/>
-              <a:t>man  2  </a:t>
-            </a:r>
-            <a:r>
-              <a:rPr lang="en-US" altLang="zh-CN" sz="1800" dirty="0" err="1"/>
-              <a:t>waitpid</a:t>
-            </a:r>
-            <a:endParaRPr lang="en-US" altLang="zh-CN" sz="1800" dirty="0"/>
-          </a:p>
-          <a:p>
-            <a:pPr marL="0" indent="0">
-              <a:buNone/>
-            </a:pPr>
-            <a:endParaRPr lang="en-US" altLang="zh-CN" sz="2000" dirty="0"/>
+            <a:endParaRPr lang="en-US" altLang="zh-CN" sz="2400" dirty="0"/>
           </a:p>
         </p:txBody>
       </p:sp>
@@ -9557,142 +9262,34 @@
           </a:bodyPr>
           <a:lstStyle/>
           <a:p>
-            <a:r>
-              <a:rPr lang="zh-CN" altLang="en-US" sz="2400" dirty="0"/>
-              <a:t>父进程退出后，子进程继续执行，此时谁又是子进程的父进程？</a:t>
-            </a:r>
-            <a:endParaRPr lang="en-US" altLang="zh-CN" sz="2400" dirty="0"/>
-          </a:p>
-          <a:p>
-            <a:endParaRPr lang="en-US" altLang="zh-CN" sz="2400" dirty="0"/>
-          </a:p>
-        </p:txBody>
-      </p:sp>
-      <p:graphicFrame>
-        <p:nvGraphicFramePr>
-          <p:cNvPr id="2" name="表格 1">
-            <a:extLst>
-              <a:ext uri="{FF2B5EF4-FFF2-40B4-BE49-F238E27FC236}">
-                <a16:creationId xmlns:a16="http://schemas.microsoft.com/office/drawing/2014/main" id="{FB243EDA-8FEE-4748-8BAD-89E4D9A617A4}"/>
-              </a:ext>
-            </a:extLst>
-          </p:cNvPr>
-          <p:cNvGraphicFramePr>
-            <a:graphicFrameLocks noGrp="1"/>
-          </p:cNvGraphicFramePr>
-          <p:nvPr>
-            <p:extLst/>
-          </p:nvPr>
-        </p:nvGraphicFramePr>
-        <p:xfrm>
-          <a:off x="838200" y="2752078"/>
-          <a:ext cx="10515600" cy="3497802"/>
-        </p:xfrm>
-        <a:graphic>
-          <a:graphicData uri="http://schemas.openxmlformats.org/drawingml/2006/table">
-            <a:tbl>
-              <a:tblPr firstRow="1" bandRow="1">
-                <a:tableStyleId>{2D5ABB26-0587-4C30-8999-92F81FD0307C}</a:tableStyleId>
-              </a:tblPr>
-              <a:tblGrid>
-                <a:gridCol w="6116826">
-                  <a:extLst>
-                    <a:ext uri="{9D8B030D-6E8A-4147-A177-3AD203B41FA5}">
-                      <a16:colId xmlns:a16="http://schemas.microsoft.com/office/drawing/2014/main" val="434808498"/>
-                    </a:ext>
-                  </a:extLst>
-                </a:gridCol>
-                <a:gridCol w="4398774">
-                  <a:extLst>
-                    <a:ext uri="{9D8B030D-6E8A-4147-A177-3AD203B41FA5}">
-                      <a16:colId xmlns:a16="http://schemas.microsoft.com/office/drawing/2014/main" val="1970084788"/>
-                    </a:ext>
-                  </a:extLst>
-                </a:gridCol>
-              </a:tblGrid>
-              <a:tr h="3497802">
-                <a:tc>
-                  <a:txBody>
-                    <a:bodyPr/>
-                    <a:lstStyle/>
-                    <a:p>
-                      <a:r>
-                        <a:rPr lang="zh-CN" altLang="en-US" dirty="0"/>
-                        <a:t>父进程退出后，子进程继续执行，此时父进程是</a:t>
-                      </a:r>
-                      <a:r>
-                        <a:rPr lang="en-US" altLang="zh-CN" dirty="0" err="1"/>
-                        <a:t>init</a:t>
-                      </a:r>
-                      <a:r>
-                        <a:rPr lang="zh-CN" altLang="en-US" dirty="0"/>
-                        <a:t>（</a:t>
-                      </a:r>
-                      <a:r>
-                        <a:rPr lang="en-US" altLang="zh-CN" dirty="0"/>
-                        <a:t>ID</a:t>
-                      </a:r>
-                      <a:r>
-                        <a:rPr lang="zh-CN" altLang="en-US" dirty="0"/>
-                        <a:t>为</a:t>
-                      </a:r>
-                      <a:r>
-                        <a:rPr lang="en-US" altLang="zh-CN" dirty="0"/>
-                        <a:t>1</a:t>
-                      </a:r>
-                      <a:r>
-                        <a:rPr lang="zh-CN" altLang="en-US" dirty="0"/>
-                        <a:t>的进程）。而在终端运行程序，当前</a:t>
-                      </a:r>
-                      <a:r>
-                        <a:rPr lang="en-US" altLang="zh-CN" dirty="0"/>
-                        <a:t>shell</a:t>
-                      </a:r>
-                      <a:r>
-                        <a:rPr lang="zh-CN" altLang="en-US" dirty="0"/>
-                        <a:t>是父进程的父进程，但是由于父进程的提前退出，导致子进程被</a:t>
-                      </a:r>
-                      <a:r>
-                        <a:rPr lang="en-US" altLang="zh-CN" dirty="0" err="1"/>
-                        <a:t>init</a:t>
-                      </a:r>
-                      <a:r>
-                        <a:rPr lang="zh-CN" altLang="en-US" dirty="0"/>
-                        <a:t>进程</a:t>
-                      </a:r>
-                      <a:r>
-                        <a:rPr lang="zh-CN" altLang="en-US"/>
-                        <a:t>收养。</a:t>
-                      </a:r>
-                      <a:endParaRPr lang="zh-CN" altLang="en-US" dirty="0"/>
-                    </a:p>
-                  </a:txBody>
-                  <a:tcPr/>
-                </a:tc>
-                <a:tc>
-                  <a:txBody>
-                    <a:bodyPr/>
-                    <a:lstStyle/>
-                    <a:p>
-                      <a:pPr algn="ctr"/>
-                      <a:r>
-                        <a:rPr lang="zh-CN" altLang="en-US" sz="2000" dirty="0"/>
-                        <a:t>这是编写守护进程很重要的一步。</a:t>
-                      </a:r>
-                    </a:p>
-                  </a:txBody>
-                  <a:tcPr anchor="ctr"/>
-                </a:tc>
-                <a:extLst>
-                  <a:ext uri="{0D108BD9-81ED-4DB2-BD59-A6C34878D82A}">
-                    <a16:rowId xmlns:a16="http://schemas.microsoft.com/office/drawing/2014/main" val="84222248"/>
-                  </a:ext>
-                </a:extLst>
-              </a:tr>
-            </a:tbl>
-          </a:graphicData>
-        </a:graphic>
-      </p:graphicFrame>
+            <a:pPr marL="0" indent="0">
+              <a:buNone/>
+            </a:pPr>
+            <a:endParaRPr lang="en-US" altLang="zh-CN"/>
+          </a:p>
+          <a:p>
+            <a:endParaRPr lang="en-US" altLang="zh-CN"/>
+          </a:p>
+          <a:p>
+            <a:endParaRPr lang="en-US" altLang="zh-CN"/>
+          </a:p>
+          <a:p>
+            <a:r>
+              <a:rPr lang="zh-CN" altLang="en-US"/>
+              <a:t>父</a:t>
+            </a:r>
+            <a:r>
+              <a:rPr lang="zh-CN" altLang="en-US" dirty="0"/>
+              <a:t>进程退出后，子进程继续执行，此时谁又是子进程的父</a:t>
+            </a:r>
+            <a:r>
+              <a:rPr lang="zh-CN" altLang="en-US"/>
+              <a:t>进程？</a:t>
+            </a:r>
+            <a:endParaRPr lang="en-US" altLang="zh-CN" dirty="0"/>
+          </a:p>
+        </p:txBody>
+      </p:sp>
     </p:spTree>
     <p:extLst>
       <p:ext uri="{BB962C8B-B14F-4D97-AF65-F5344CB8AC3E}">
@@ -9703,127 +9300,6 @@
   <p:clrMapOvr>
     <a:masterClrMapping/>
   </p:clrMapOvr>
-  <p:timing>
-    <p:tnLst>
-      <p:par>
-        <p:cTn id="1" dur="indefinite" restart="never" nodeType="tmRoot">
-          <p:childTnLst>
-            <p:seq concurrent="1" nextAc="seek">
-              <p:cTn id="2" dur="indefinite" nodeType="mainSeq">
-                <p:childTnLst>
-                  <p:par>
-                    <p:cTn id="3" fill="hold">
-                      <p:stCondLst>
-                        <p:cond delay="indefinite"/>
-                      </p:stCondLst>
-                      <p:childTnLst>
-                        <p:par>
-                          <p:cTn id="4" fill="hold">
-                            <p:stCondLst>
-                              <p:cond delay="0"/>
-                            </p:stCondLst>
-                            <p:childTnLst>
-                              <p:par>
-                                <p:cTn id="5" presetID="2" presetClass="entr" presetSubtype="4" fill="hold" nodeType="clickEffect">
-                                  <p:stCondLst>
-                                    <p:cond delay="0"/>
-                                  </p:stCondLst>
-                                  <p:childTnLst>
-                                    <p:set>
-                                      <p:cBhvr>
-                                        <p:cTn id="6" dur="1" fill="hold">
-                                          <p:stCondLst>
-                                            <p:cond delay="0"/>
-                                          </p:stCondLst>
-                                        </p:cTn>
-                                        <p:tgtEl>
-                                          <p:spTgt spid="2"/>
-                                        </p:tgtEl>
-                                        <p:attrNameLst>
-                                          <p:attrName>style.visibility</p:attrName>
-                                        </p:attrNameLst>
-                                      </p:cBhvr>
-                                      <p:to>
-                                        <p:strVal val="visible"/>
-                                      </p:to>
-                                    </p:set>
-                                    <p:anim calcmode="lin" valueType="num">
-                                      <p:cBhvr additive="base">
-                                        <p:cTn id="7" dur="500" fill="hold"/>
-                                        <p:tgtEl>
-                                          <p:spTgt spid="2"/>
-                                        </p:tgtEl>
-                                        <p:attrNameLst>
-                                          <p:attrName>ppt_x</p:attrName>
-                                        </p:attrNameLst>
-                                      </p:cBhvr>
-                                      <p:tavLst>
-                                        <p:tav tm="0">
-                                          <p:val>
-                                            <p:strVal val="#ppt_x"/>
-                                          </p:val>
-                                        </p:tav>
-                                        <p:tav tm="100000">
-                                          <p:val>
-                                            <p:strVal val="#ppt_x"/>
-                                          </p:val>
-                                        </p:tav>
-                                      </p:tavLst>
-                                    </p:anim>
-                                    <p:anim calcmode="lin" valueType="num">
-                                      <p:cBhvr additive="base">
-                                        <p:cTn id="8" dur="500" fill="hold"/>
-                                        <p:tgtEl>
-                                          <p:spTgt spid="2"/>
-                                        </p:tgtEl>
-                                        <p:attrNameLst>
-                                          <p:attrName>ppt_y</p:attrName>
-                                        </p:attrNameLst>
-                                      </p:cBhvr>
-                                      <p:tavLst>
-                                        <p:tav tm="0">
-                                          <p:val>
-                                            <p:strVal val="1+#ppt_h/2"/>
-                                          </p:val>
-                                        </p:tav>
-                                        <p:tav tm="100000">
-                                          <p:val>
-                                            <p:strVal val="#ppt_y"/>
-                                          </p:val>
-                                        </p:tav>
-                                      </p:tavLst>
-                                    </p:anim>
-                                  </p:childTnLst>
-                                </p:cTn>
-                              </p:par>
-                            </p:childTnLst>
-                          </p:cTn>
-                        </p:par>
-                      </p:childTnLst>
-                    </p:cTn>
-                  </p:par>
-                </p:childTnLst>
-              </p:cTn>
-              <p:prevCondLst>
-                <p:cond evt="onPrev" delay="0">
-                  <p:tgtEl>
-                    <p:sldTgt/>
-                  </p:tgtEl>
-                </p:cond>
-              </p:prevCondLst>
-              <p:nextCondLst>
-                <p:cond evt="onNext" delay="0">
-                  <p:tgtEl>
-                    <p:sldTgt/>
-                  </p:tgtEl>
-                </p:cond>
-              </p:nextCondLst>
-            </p:seq>
-          </p:childTnLst>
-        </p:cTn>
-      </p:par>
-    </p:tnLst>
-  </p:timing>
 </p:sld>
 </file>
 
@@ -9871,13 +9347,22 @@
           <a:lstStyle/>
           <a:p>
             <a:r>
-              <a:rPr lang="en-US" altLang="zh-CN" dirty="0"/>
-              <a:t>open</a:t>
-            </a:r>
-            <a:r>
               <a:rPr lang="zh-CN" altLang="en-US" dirty="0"/>
-              <a:t>函数</a:t>
-            </a:r>
+              <a:t>父进程先于子</a:t>
+            </a:r>
+            <a:r>
+              <a:rPr lang="zh-CN" altLang="en-US"/>
+              <a:t>进程退出，子进程被</a:t>
+            </a:r>
+            <a:r>
+              <a:rPr lang="en-US" altLang="zh-CN"/>
+              <a:t>init</a:t>
+            </a:r>
+            <a:r>
+              <a:rPr lang="zh-CN" altLang="en-US"/>
+              <a:t>进程接管</a:t>
+            </a:r>
+            <a:endParaRPr lang="zh-CN" altLang="en-US" dirty="0"/>
           </a:p>
         </p:txBody>
       </p:sp>
@@ -9910,240 +9395,67 @@
           <a:lstStyle/>
           <a:p>
             <a:r>
-              <a:rPr lang="en-US" altLang="zh-CN" sz="2000" dirty="0"/>
-              <a:t>open</a:t>
-            </a:r>
-            <a:r>
-              <a:rPr lang="zh-CN" altLang="en-US" sz="2000" dirty="0"/>
-              <a:t>函数用于打开文件操作：</a:t>
-            </a:r>
-            <a:endParaRPr lang="en-US" altLang="zh-CN" sz="2000" dirty="0"/>
-          </a:p>
-          <a:p>
-            <a:pPr marL="457200" lvl="1" indent="0">
-              <a:buNone/>
-            </a:pPr>
-            <a:r>
-              <a:rPr lang="en-US" altLang="zh-CN" sz="1800" dirty="0" err="1"/>
-              <a:t>int</a:t>
-            </a:r>
-            <a:r>
-              <a:rPr lang="en-US" altLang="zh-CN" sz="1800" dirty="0"/>
-              <a:t>  open(</a:t>
-            </a:r>
-            <a:r>
-              <a:rPr lang="en-US" altLang="zh-CN" sz="1800" dirty="0" err="1"/>
-              <a:t>const</a:t>
-            </a:r>
-            <a:r>
-              <a:rPr lang="en-US" altLang="zh-CN" sz="1800" dirty="0"/>
-              <a:t> char *pathname, </a:t>
-            </a:r>
-            <a:r>
-              <a:rPr lang="en-US" altLang="zh-CN" sz="1800" dirty="0" err="1"/>
-              <a:t>int</a:t>
-            </a:r>
-            <a:r>
-              <a:rPr lang="en-US" altLang="zh-CN" sz="1800" dirty="0"/>
-              <a:t> flags, </a:t>
-            </a:r>
-            <a:r>
-              <a:rPr lang="en-US" altLang="zh-CN" sz="1800" dirty="0" err="1"/>
-              <a:t>mode_t</a:t>
-            </a:r>
-            <a:r>
-              <a:rPr lang="en-US" altLang="zh-CN" sz="1800" dirty="0"/>
-              <a:t> mode);</a:t>
-            </a:r>
-          </a:p>
-          <a:p>
-            <a:pPr marL="457200" lvl="1" indent="0">
-              <a:buNone/>
-            </a:pPr>
-            <a:r>
-              <a:rPr lang="zh-CN" altLang="en-US" sz="1800" dirty="0"/>
-              <a:t>参数依次为文件路径名称，标志位，模式。成功返回值为打开的文件描述符，错误返回</a:t>
-            </a:r>
-            <a:r>
-              <a:rPr lang="en-US" altLang="zh-CN" sz="1800" dirty="0"/>
-              <a:t>-1</a:t>
-            </a:r>
-            <a:r>
-              <a:rPr lang="zh-CN" altLang="en-US" sz="1800" dirty="0"/>
-              <a:t>。</a:t>
-            </a:r>
-            <a:endParaRPr lang="en-US" altLang="zh-CN" sz="1800" dirty="0"/>
-          </a:p>
-          <a:p>
-            <a:pPr marL="457200" lvl="1" indent="0">
-              <a:buNone/>
-            </a:pPr>
-            <a:r>
-              <a:rPr lang="en-US" altLang="zh-CN" sz="1800" dirty="0"/>
-              <a:t>flags</a:t>
-            </a:r>
-            <a:r>
-              <a:rPr lang="zh-CN" altLang="en-US" sz="1800" dirty="0"/>
-              <a:t>选项：</a:t>
-            </a:r>
-            <a:endParaRPr lang="en-US" altLang="zh-CN" sz="1800" dirty="0"/>
-          </a:p>
-          <a:p>
-            <a:pPr marL="914400" lvl="2" indent="0">
-              <a:buNone/>
-            </a:pPr>
-            <a:r>
-              <a:rPr lang="en-US" altLang="zh-CN" sz="1600" dirty="0"/>
-              <a:t>O_CREAT       </a:t>
-            </a:r>
-            <a:r>
-              <a:rPr lang="zh-CN" altLang="en-US" sz="1600" dirty="0"/>
-              <a:t>没有则创建文件</a:t>
-            </a:r>
-            <a:endParaRPr lang="en-US" altLang="zh-CN" sz="1600" dirty="0"/>
-          </a:p>
-          <a:p>
-            <a:pPr marL="914400" lvl="2" indent="0">
-              <a:buNone/>
-            </a:pPr>
-            <a:r>
-              <a:rPr lang="en-US" altLang="zh-CN" sz="1600" dirty="0"/>
-              <a:t>O_WRONLY   </a:t>
-            </a:r>
-            <a:r>
-              <a:rPr lang="zh-CN" altLang="en-US" sz="1600" dirty="0"/>
-              <a:t>写模式打开文件</a:t>
-            </a:r>
-            <a:endParaRPr lang="en-US" altLang="zh-CN" sz="1600" dirty="0"/>
-          </a:p>
-          <a:p>
-            <a:pPr marL="914400" lvl="2" indent="0">
-              <a:buNone/>
-            </a:pPr>
-            <a:r>
-              <a:rPr lang="en-US" altLang="zh-CN" sz="1600" dirty="0"/>
-              <a:t>O_RDONLY    </a:t>
-            </a:r>
-            <a:r>
-              <a:rPr lang="zh-CN" altLang="en-US" sz="1600" dirty="0"/>
-              <a:t>只读模式打开文件</a:t>
-            </a:r>
-            <a:endParaRPr lang="en-US" altLang="zh-CN" sz="1600" dirty="0"/>
-          </a:p>
-          <a:p>
-            <a:pPr marL="914400" lvl="2" indent="0">
-              <a:buNone/>
-            </a:pPr>
-            <a:r>
-              <a:rPr lang="en-US" altLang="zh-CN" sz="1600" dirty="0"/>
-              <a:t>O_RDWR        </a:t>
-            </a:r>
-            <a:r>
-              <a:rPr lang="zh-CN" altLang="en-US" sz="1600" dirty="0"/>
-              <a:t>读写方式打开</a:t>
-            </a:r>
-            <a:endParaRPr lang="en-US" altLang="zh-CN" sz="1600" dirty="0"/>
-          </a:p>
-          <a:p>
-            <a:pPr marL="914400" lvl="2" indent="0">
-              <a:buNone/>
-            </a:pPr>
-            <a:r>
-              <a:rPr lang="en-US" altLang="zh-CN" sz="1600" dirty="0"/>
-              <a:t>O_APPEND     </a:t>
-            </a:r>
-            <a:r>
-              <a:rPr lang="zh-CN" altLang="en-US" sz="1600" dirty="0"/>
-              <a:t>追加方式写入</a:t>
-            </a:r>
-            <a:endParaRPr lang="en-US" altLang="zh-CN" sz="1600" dirty="0"/>
-          </a:p>
-          <a:p>
-            <a:pPr marL="914400" lvl="2" indent="0">
-              <a:buNone/>
-            </a:pPr>
-            <a:r>
-              <a:rPr lang="en-US" altLang="zh-CN" sz="1600" dirty="0"/>
-              <a:t>······</a:t>
-            </a:r>
-          </a:p>
-          <a:p>
-            <a:pPr marL="457200" lvl="1" indent="0">
-              <a:buNone/>
-            </a:pPr>
-            <a:r>
-              <a:rPr lang="en-US" altLang="zh-CN" sz="1800" dirty="0"/>
-              <a:t>mode</a:t>
-            </a:r>
-            <a:r>
-              <a:rPr lang="zh-CN" altLang="en-US" sz="1800" dirty="0"/>
-              <a:t>选项：</a:t>
-            </a:r>
-            <a:endParaRPr lang="en-US" altLang="zh-CN" sz="1800" dirty="0"/>
-          </a:p>
-          <a:p>
-            <a:pPr marL="914400" lvl="2" indent="0">
-              <a:buNone/>
-            </a:pPr>
-            <a:r>
-              <a:rPr lang="en-US" altLang="zh-CN" sz="1600" dirty="0"/>
-              <a:t>S_IRWXU        </a:t>
-            </a:r>
-            <a:r>
-              <a:rPr lang="zh-CN" altLang="en-US" sz="1600" dirty="0"/>
-              <a:t>文件所有者具有可读，可写，可执行的权限</a:t>
-            </a:r>
-            <a:endParaRPr lang="en-US" altLang="zh-CN" sz="1600" dirty="0"/>
-          </a:p>
-          <a:p>
-            <a:pPr marL="914400" lvl="2" indent="0">
-              <a:buNone/>
-            </a:pPr>
-            <a:r>
-              <a:rPr lang="en-US" altLang="zh-CN" sz="1600" dirty="0"/>
-              <a:t>S_IRUSR         </a:t>
-            </a:r>
-            <a:r>
-              <a:rPr lang="zh-CN" altLang="en-US" sz="1600" dirty="0"/>
-              <a:t>文件所有者有可读权限</a:t>
-            </a:r>
-            <a:endParaRPr lang="en-US" altLang="zh-CN" sz="1600" dirty="0"/>
-          </a:p>
-          <a:p>
-            <a:pPr marL="914400" lvl="2" indent="0">
-              <a:buNone/>
-            </a:pPr>
-            <a:r>
-              <a:rPr lang="en-US" altLang="zh-CN" sz="1600" dirty="0"/>
-              <a:t>S_IWUSR        </a:t>
-            </a:r>
-            <a:r>
-              <a:rPr lang="zh-CN" altLang="en-US" sz="1600" dirty="0"/>
-              <a:t>文件所有者具有可写权限</a:t>
-            </a:r>
-            <a:endParaRPr lang="en-US" altLang="zh-CN" sz="1600" dirty="0"/>
-          </a:p>
-          <a:p>
-            <a:pPr marL="914400" lvl="2" indent="0">
-              <a:buNone/>
-            </a:pPr>
-            <a:r>
-              <a:rPr lang="en-US" altLang="zh-CN" sz="1600" dirty="0"/>
-              <a:t>······</a:t>
-            </a:r>
-          </a:p>
-          <a:p>
-            <a:r>
-              <a:rPr lang="en-US" altLang="zh-CN" sz="2000" dirty="0"/>
-              <a:t>man  2  open </a:t>
-            </a:r>
-            <a:r>
-              <a:rPr lang="zh-CN" altLang="en-US" sz="2000" dirty="0"/>
-              <a:t>可以查看详细的文档说明。</a:t>
-            </a:r>
-            <a:endParaRPr lang="en-US" altLang="zh-CN" sz="2000" dirty="0"/>
-          </a:p>
-          <a:p>
+              <a:rPr lang="zh-CN" altLang="en-US" sz="2400"/>
+              <a:t>父进程退出后，子进程继续执行，此时父进程是</a:t>
+            </a:r>
+            <a:r>
+              <a:rPr lang="en-US" altLang="zh-CN" sz="2400"/>
+              <a:t>init</a:t>
+            </a:r>
+            <a:r>
+              <a:rPr lang="zh-CN" altLang="en-US" sz="2400"/>
+              <a:t>（</a:t>
+            </a:r>
+            <a:r>
+              <a:rPr lang="en-US" altLang="zh-CN" sz="2400"/>
+              <a:t>ID</a:t>
+            </a:r>
+            <a:r>
+              <a:rPr lang="zh-CN" altLang="en-US" sz="2400"/>
+              <a:t>为</a:t>
+            </a:r>
+            <a:r>
+              <a:rPr lang="en-US" altLang="zh-CN" sz="2400"/>
+              <a:t>1</a:t>
+            </a:r>
+            <a:r>
+              <a:rPr lang="zh-CN" altLang="en-US" sz="2400"/>
+              <a:t>的进程）。而在终端运行程序，当前</a:t>
+            </a:r>
+            <a:r>
+              <a:rPr lang="en-US" altLang="zh-CN" sz="2400"/>
+              <a:t>shell</a:t>
+            </a:r>
+            <a:r>
+              <a:rPr lang="zh-CN" altLang="en-US" sz="2400"/>
+              <a:t>是父进程的父进程，但是由于父进程的提前退出，导致子进程被</a:t>
+            </a:r>
+            <a:r>
+              <a:rPr lang="en-US" altLang="zh-CN" sz="2400"/>
+              <a:t>init</a:t>
+            </a:r>
+            <a:r>
+              <a:rPr lang="zh-CN" altLang="en-US" sz="2400"/>
+              <a:t>进程接管。</a:t>
+            </a:r>
+            <a:endParaRPr lang="en-US" altLang="zh-CN" sz="2400"/>
+          </a:p>
+          <a:p>
+            <a:endParaRPr lang="en-US" altLang="zh-CN" sz="2400"/>
+          </a:p>
+          <a:p>
+            <a:r>
+              <a:rPr lang="zh-CN" altLang="en-US" sz="2400"/>
+              <a:t>这是</a:t>
+            </a:r>
+            <a:r>
+              <a:rPr lang="en-US" altLang="zh-CN" sz="2400"/>
+              <a:t>Linux</a:t>
+            </a:r>
+            <a:r>
+              <a:rPr lang="zh-CN" altLang="en-US" sz="2400"/>
+              <a:t>的设计方式，并且此方式是实现守护进程的基础。</a:t>
+            </a:r>
             <a:endParaRPr lang="en-US" altLang="zh-CN" sz="2400" dirty="0"/>
           </a:p>
           <a:p>
@@ -10154,468 +9466,7 @@
     </p:spTree>
     <p:extLst>
       <p:ext uri="{BB962C8B-B14F-4D97-AF65-F5344CB8AC3E}">
-        <p14:creationId xmlns:p14="http://schemas.microsoft.com/office/powerpoint/2010/main" val="4042724275"/>
-      </p:ext>
-    </p:extLst>
-  </p:cSld>
-  <p:clrMapOvr>
-    <a:masterClrMapping/>
-  </p:clrMapOvr>
-</p:sld>
-</file>
-
-<file path=ppt/slides/slide8.xml><?xml version="1.0" encoding="utf-8"?>
-<p:sld xmlns:a="http://schemas.openxmlformats.org/drawingml/2006/main" xmlns:r="http://schemas.openxmlformats.org/officeDocument/2006/relationships" xmlns:p="http://schemas.openxmlformats.org/presentationml/2006/main">
-  <p:cSld>
-    <p:spTree>
-      <p:nvGrpSpPr>
-        <p:cNvPr id="1" name=""/>
-        <p:cNvGrpSpPr/>
-        <p:nvPr/>
-      </p:nvGrpSpPr>
-      <p:grpSpPr>
-        <a:xfrm>
-          <a:off x="0" y="0"/>
-          <a:ext cx="0" cy="0"/>
-          <a:chOff x="0" y="0"/>
-          <a:chExt cx="0" cy="0"/>
-        </a:xfrm>
-      </p:grpSpPr>
-      <p:sp>
-        <p:nvSpPr>
-          <p:cNvPr id="4" name="标题 3">
-            <a:extLst>
-              <a:ext uri="{FF2B5EF4-FFF2-40B4-BE49-F238E27FC236}">
-                <a16:creationId xmlns:a16="http://schemas.microsoft.com/office/drawing/2014/main" id="{2729939D-814A-4BD2-9922-3F8EA865938B}"/>
-              </a:ext>
-            </a:extLst>
-          </p:cNvPr>
-          <p:cNvSpPr>
-            <a:spLocks noGrp="1"/>
-          </p:cNvSpPr>
-          <p:nvPr>
-            <p:ph type="title"/>
-          </p:nvPr>
-        </p:nvSpPr>
-        <p:spPr>
-          <a:xfrm>
-            <a:off x="838200" y="683581"/>
-            <a:ext cx="10515600" cy="736846"/>
-          </a:xfrm>
-        </p:spPr>
-        <p:txBody>
-          <a:bodyPr/>
-          <a:lstStyle/>
-          <a:p>
-            <a:r>
-              <a:rPr lang="en-US" altLang="zh-CN" dirty="0"/>
-              <a:t>write</a:t>
-            </a:r>
-            <a:r>
-              <a:rPr lang="zh-CN" altLang="en-US" dirty="0"/>
-              <a:t>函数</a:t>
-            </a:r>
-          </a:p>
-        </p:txBody>
-      </p:sp>
-      <p:sp>
-        <p:nvSpPr>
-          <p:cNvPr id="6" name="内容占位符 5">
-            <a:extLst>
-              <a:ext uri="{FF2B5EF4-FFF2-40B4-BE49-F238E27FC236}">
-                <a16:creationId xmlns:a16="http://schemas.microsoft.com/office/drawing/2014/main" id="{B83E9AD4-C606-4679-B884-01F71CC97E44}"/>
-              </a:ext>
-            </a:extLst>
-          </p:cNvPr>
-          <p:cNvSpPr>
-            <a:spLocks noGrp="1"/>
-          </p:cNvSpPr>
-          <p:nvPr>
-            <p:ph idx="1"/>
-          </p:nvPr>
-        </p:nvSpPr>
-        <p:spPr>
-          <a:xfrm>
-            <a:off x="838200" y="1656500"/>
-            <a:ext cx="10515600" cy="4850832"/>
-          </a:xfrm>
-        </p:spPr>
-        <p:txBody>
-          <a:bodyPr>
-            <a:normAutofit/>
-          </a:bodyPr>
-          <a:lstStyle/>
-          <a:p>
-            <a:r>
-              <a:rPr lang="en-US" altLang="zh-CN" sz="2000" dirty="0"/>
-              <a:t>write</a:t>
-            </a:r>
-            <a:r>
-              <a:rPr lang="zh-CN" altLang="en-US" sz="2000" dirty="0"/>
-              <a:t>函数向一个文件写入数据：</a:t>
-            </a:r>
-            <a:endParaRPr lang="en-US" altLang="zh-CN" sz="2000" dirty="0"/>
-          </a:p>
-          <a:p>
-            <a:pPr marL="457200" lvl="1" indent="0">
-              <a:buNone/>
-            </a:pPr>
-            <a:r>
-              <a:rPr lang="en-US" altLang="zh-CN" sz="1800" dirty="0" err="1"/>
-              <a:t>ssize_t</a:t>
-            </a:r>
-            <a:r>
-              <a:rPr lang="en-US" altLang="zh-CN" sz="1800" dirty="0"/>
-              <a:t>  write(</a:t>
-            </a:r>
-            <a:r>
-              <a:rPr lang="en-US" altLang="zh-CN" sz="1800" dirty="0" err="1"/>
-              <a:t>int</a:t>
-            </a:r>
-            <a:r>
-              <a:rPr lang="en-US" altLang="zh-CN" sz="1800" dirty="0"/>
-              <a:t> </a:t>
-            </a:r>
-            <a:r>
-              <a:rPr lang="en-US" altLang="zh-CN" sz="1800" dirty="0" err="1"/>
-              <a:t>fd</a:t>
-            </a:r>
-            <a:r>
-              <a:rPr lang="en-US" altLang="zh-CN" sz="1800" dirty="0"/>
-              <a:t>,  </a:t>
-            </a:r>
-            <a:r>
-              <a:rPr lang="en-US" altLang="zh-CN" sz="1800" dirty="0" err="1"/>
-              <a:t>const</a:t>
-            </a:r>
-            <a:r>
-              <a:rPr lang="en-US" altLang="zh-CN" sz="1800" dirty="0"/>
-              <a:t> void *</a:t>
-            </a:r>
-            <a:r>
-              <a:rPr lang="en-US" altLang="zh-CN" sz="1800" dirty="0" err="1"/>
-              <a:t>buf</a:t>
-            </a:r>
-            <a:r>
-              <a:rPr lang="en-US" altLang="zh-CN" sz="1800" dirty="0"/>
-              <a:t>, </a:t>
-            </a:r>
-            <a:r>
-              <a:rPr lang="en-US" altLang="zh-CN" sz="1800" dirty="0" err="1"/>
-              <a:t>int</a:t>
-            </a:r>
-            <a:r>
-              <a:rPr lang="en-US" altLang="zh-CN" sz="1800" dirty="0"/>
-              <a:t> count);</a:t>
-            </a:r>
-          </a:p>
-          <a:p>
-            <a:pPr marL="457200" lvl="1" indent="0">
-              <a:buNone/>
-            </a:pPr>
-            <a:r>
-              <a:rPr lang="zh-CN" altLang="en-US" sz="1800" dirty="0"/>
-              <a:t>参数依次为打开的文件描述符，指向数据的指针，要写入的字节数。</a:t>
-            </a:r>
-            <a:endParaRPr lang="en-US" altLang="zh-CN" sz="1800" dirty="0"/>
-          </a:p>
-          <a:p>
-            <a:pPr marL="457200" lvl="1" indent="0">
-              <a:buNone/>
-            </a:pPr>
-            <a:r>
-              <a:rPr lang="zh-CN" altLang="en-US" sz="1800" dirty="0"/>
-              <a:t>返回值是成功写入的字节数，错误则返回</a:t>
-            </a:r>
-            <a:r>
-              <a:rPr lang="en-US" altLang="zh-CN" sz="1800" dirty="0"/>
-              <a:t>-1</a:t>
-            </a:r>
-            <a:r>
-              <a:rPr lang="zh-CN" altLang="en-US" sz="1800" dirty="0"/>
-              <a:t>。</a:t>
-            </a:r>
-            <a:endParaRPr lang="en-US" altLang="zh-CN" sz="1800" dirty="0"/>
-          </a:p>
-          <a:p>
-            <a:pPr marL="457200" lvl="1" indent="0">
-              <a:buNone/>
-            </a:pPr>
-            <a:endParaRPr lang="en-US" altLang="zh-CN" sz="1800" dirty="0"/>
-          </a:p>
-          <a:p>
-            <a:r>
-              <a:rPr lang="zh-CN" altLang="en-US" sz="2000" dirty="0"/>
-              <a:t>在文件操作最后要记得使用</a:t>
-            </a:r>
-            <a:r>
-              <a:rPr lang="en-US" altLang="zh-CN" sz="2000" dirty="0"/>
-              <a:t>close</a:t>
-            </a:r>
-            <a:r>
-              <a:rPr lang="zh-CN" altLang="en-US" sz="2000" dirty="0"/>
-              <a:t>关闭打开的文件：</a:t>
-            </a:r>
-            <a:r>
-              <a:rPr lang="en-US" altLang="zh-CN" sz="2000" dirty="0" err="1"/>
-              <a:t>int</a:t>
-            </a:r>
-            <a:r>
-              <a:rPr lang="en-US" altLang="zh-CN" sz="2000" dirty="0"/>
-              <a:t> close(</a:t>
-            </a:r>
-            <a:r>
-              <a:rPr lang="en-US" altLang="zh-CN" sz="2000" dirty="0" err="1"/>
-              <a:t>int</a:t>
-            </a:r>
-            <a:r>
-              <a:rPr lang="en-US" altLang="zh-CN" sz="2000" dirty="0"/>
-              <a:t> </a:t>
-            </a:r>
-            <a:r>
-              <a:rPr lang="en-US" altLang="zh-CN" sz="2000" dirty="0" err="1"/>
-              <a:t>fd</a:t>
-            </a:r>
-            <a:r>
-              <a:rPr lang="en-US" altLang="zh-CN" sz="2000" dirty="0"/>
-              <a:t>); close</a:t>
-            </a:r>
-            <a:r>
-              <a:rPr lang="zh-CN" altLang="en-US" sz="2000" dirty="0"/>
-              <a:t>函数成功返回</a:t>
-            </a:r>
-            <a:r>
-              <a:rPr lang="en-US" altLang="zh-CN" sz="2000" dirty="0"/>
-              <a:t>0</a:t>
-            </a:r>
-            <a:r>
-              <a:rPr lang="zh-CN" altLang="en-US" sz="2000" dirty="0"/>
-              <a:t>，错误返回</a:t>
-            </a:r>
-            <a:r>
-              <a:rPr lang="en-US" altLang="zh-CN" sz="2000" dirty="0"/>
-              <a:t>-1</a:t>
-            </a:r>
-            <a:r>
-              <a:rPr lang="zh-CN" altLang="en-US" sz="2000" dirty="0"/>
-              <a:t>。</a:t>
-            </a:r>
-            <a:endParaRPr lang="en-US" altLang="zh-CN" sz="2000" dirty="0"/>
-          </a:p>
-          <a:p>
-            <a:endParaRPr lang="en-US" altLang="zh-CN" sz="2400" dirty="0"/>
-          </a:p>
-        </p:txBody>
-      </p:sp>
-    </p:spTree>
-    <p:extLst>
-      <p:ext uri="{BB962C8B-B14F-4D97-AF65-F5344CB8AC3E}">
-        <p14:creationId xmlns:p14="http://schemas.microsoft.com/office/powerpoint/2010/main" val="487417295"/>
-      </p:ext>
-    </p:extLst>
-  </p:cSld>
-  <p:clrMapOvr>
-    <a:masterClrMapping/>
-  </p:clrMapOvr>
-</p:sld>
-</file>
-
-<file path=ppt/slides/slide9.xml><?xml version="1.0" encoding="utf-8"?>
-<p:sld xmlns:a="http://schemas.openxmlformats.org/drawingml/2006/main" xmlns:r="http://schemas.openxmlformats.org/officeDocument/2006/relationships" xmlns:p="http://schemas.openxmlformats.org/presentationml/2006/main">
-  <p:cSld>
-    <p:spTree>
-      <p:nvGrpSpPr>
-        <p:cNvPr id="1" name=""/>
-        <p:cNvGrpSpPr/>
-        <p:nvPr/>
-      </p:nvGrpSpPr>
-      <p:grpSpPr>
-        <a:xfrm>
-          <a:off x="0" y="0"/>
-          <a:ext cx="0" cy="0"/>
-          <a:chOff x="0" y="0"/>
-          <a:chExt cx="0" cy="0"/>
-        </a:xfrm>
-      </p:grpSpPr>
-      <p:sp>
-        <p:nvSpPr>
-          <p:cNvPr id="4" name="标题 3">
-            <a:extLst>
-              <a:ext uri="{FF2B5EF4-FFF2-40B4-BE49-F238E27FC236}">
-                <a16:creationId xmlns:a16="http://schemas.microsoft.com/office/drawing/2014/main" id="{2729939D-814A-4BD2-9922-3F8EA865938B}"/>
-              </a:ext>
-            </a:extLst>
-          </p:cNvPr>
-          <p:cNvSpPr>
-            <a:spLocks noGrp="1"/>
-          </p:cNvSpPr>
-          <p:nvPr>
-            <p:ph type="title"/>
-          </p:nvPr>
-        </p:nvSpPr>
-        <p:spPr>
-          <a:xfrm>
-            <a:off x="838200" y="683581"/>
-            <a:ext cx="10515600" cy="736846"/>
-          </a:xfrm>
-        </p:spPr>
-        <p:txBody>
-          <a:bodyPr/>
-          <a:lstStyle/>
-          <a:p>
-            <a:r>
-              <a:rPr lang="en-US" altLang="zh-CN" dirty="0"/>
-              <a:t>IO</a:t>
-            </a:r>
-            <a:r>
-              <a:rPr lang="zh-CN" altLang="en-US" dirty="0"/>
-              <a:t>重定向</a:t>
-            </a:r>
-          </a:p>
-        </p:txBody>
-      </p:sp>
-      <p:sp>
-        <p:nvSpPr>
-          <p:cNvPr id="6" name="内容占位符 5">
-            <a:extLst>
-              <a:ext uri="{FF2B5EF4-FFF2-40B4-BE49-F238E27FC236}">
-                <a16:creationId xmlns:a16="http://schemas.microsoft.com/office/drawing/2014/main" id="{B83E9AD4-C606-4679-B884-01F71CC97E44}"/>
-              </a:ext>
-            </a:extLst>
-          </p:cNvPr>
-          <p:cNvSpPr>
-            <a:spLocks noGrp="1"/>
-          </p:cNvSpPr>
-          <p:nvPr>
-            <p:ph idx="1"/>
-          </p:nvPr>
-        </p:nvSpPr>
-        <p:spPr>
-          <a:xfrm>
-            <a:off x="838200" y="1656500"/>
-            <a:ext cx="10515600" cy="4850832"/>
-          </a:xfrm>
-        </p:spPr>
-        <p:txBody>
-          <a:bodyPr>
-            <a:normAutofit/>
-          </a:bodyPr>
-          <a:lstStyle/>
-          <a:p>
-            <a:r>
-              <a:rPr lang="en-US" altLang="zh-CN" sz="2000" dirty="0"/>
-              <a:t>IO</a:t>
-            </a:r>
-            <a:r>
-              <a:rPr lang="zh-CN" altLang="en-US" sz="2000" dirty="0"/>
-              <a:t>重定向基于这样一个设计原则：最低可用文件描述符（</a:t>
-            </a:r>
-            <a:r>
-              <a:rPr lang="en-US" altLang="zh-CN" sz="2000" dirty="0"/>
-              <a:t>Lowest Available </a:t>
-            </a:r>
-            <a:r>
-              <a:rPr lang="en-US" altLang="zh-CN" sz="2000" dirty="0" err="1"/>
-              <a:t>fd</a:t>
-            </a:r>
-            <a:r>
-              <a:rPr lang="zh-CN" altLang="en-US" sz="2000" dirty="0"/>
-              <a:t>）原则。</a:t>
-            </a:r>
-            <a:endParaRPr lang="en-US" altLang="zh-CN" sz="2000" dirty="0"/>
-          </a:p>
-          <a:p>
-            <a:endParaRPr lang="en-US" altLang="zh-CN" sz="2000" dirty="0"/>
-          </a:p>
-          <a:p>
-            <a:r>
-              <a:rPr lang="zh-CN" altLang="en-US" sz="2000" dirty="0"/>
-              <a:t>文件描述符是一个数组索引号，每个进程都有一组打开的文件，这些打开的文件信息保存在一个数组中，文件描述符就是数组的索引号。</a:t>
-            </a:r>
-            <a:endParaRPr lang="en-US" altLang="zh-CN" sz="2000" dirty="0"/>
-          </a:p>
-          <a:p>
-            <a:endParaRPr lang="en-US" altLang="zh-CN" sz="2000" dirty="0"/>
-          </a:p>
-          <a:p>
-            <a:r>
-              <a:rPr lang="zh-CN" altLang="en-US" sz="2000" dirty="0"/>
-              <a:t>在打开文件时，分配的描述符总是数组中最低可用的索引位置（索引数字最小的位置）。</a:t>
-            </a:r>
-            <a:endParaRPr lang="en-US" altLang="zh-CN" sz="2000" dirty="0"/>
-          </a:p>
-          <a:p>
-            <a:endParaRPr lang="en-US" altLang="zh-CN" sz="2000" dirty="0"/>
-          </a:p>
-          <a:p>
-            <a:r>
-              <a:rPr lang="zh-CN" altLang="en-US" sz="2000" dirty="0"/>
-              <a:t>在</a:t>
-            </a:r>
-            <a:r>
-              <a:rPr lang="en-US" altLang="zh-CN" sz="2000" dirty="0"/>
-              <a:t>Linux</a:t>
-            </a:r>
-            <a:r>
-              <a:rPr lang="zh-CN" altLang="en-US" sz="2000" dirty="0"/>
-              <a:t>上，使用</a:t>
-            </a:r>
-            <a:r>
-              <a:rPr lang="en-US" altLang="zh-CN" sz="2000" dirty="0"/>
-              <a:t>0</a:t>
-            </a:r>
-            <a:r>
-              <a:rPr lang="zh-CN" altLang="en-US" sz="2000" dirty="0"/>
-              <a:t>，</a:t>
-            </a:r>
-            <a:r>
-              <a:rPr lang="en-US" altLang="zh-CN" sz="2000" dirty="0"/>
-              <a:t>1</a:t>
-            </a:r>
-            <a:r>
-              <a:rPr lang="zh-CN" altLang="en-US" sz="2000" dirty="0"/>
-              <a:t>，</a:t>
-            </a:r>
-            <a:r>
-              <a:rPr lang="en-US" altLang="zh-CN" sz="2000" dirty="0"/>
-              <a:t>2</a:t>
-            </a:r>
-            <a:r>
-              <a:rPr lang="zh-CN" altLang="en-US" sz="2000" dirty="0"/>
-              <a:t>作为程序的标准输入，标准输出，标准错误输出。而如果关闭描述符</a:t>
-            </a:r>
-            <a:r>
-              <a:rPr lang="en-US" altLang="zh-CN" sz="2000" dirty="0"/>
-              <a:t>1</a:t>
-            </a:r>
-            <a:r>
-              <a:rPr lang="zh-CN" altLang="en-US" sz="2000" dirty="0"/>
-              <a:t>，然后打开其他文件，这样文件就被分配了文件描述符</a:t>
-            </a:r>
-            <a:r>
-              <a:rPr lang="en-US" altLang="zh-CN" sz="2000" dirty="0"/>
-              <a:t>1</a:t>
-            </a:r>
-            <a:r>
-              <a:rPr lang="zh-CN" altLang="en-US" sz="2000" dirty="0"/>
-              <a:t>，于是标准输出就会写入到新打开的文件。这就是</a:t>
-            </a:r>
-            <a:r>
-              <a:rPr lang="en-US" altLang="zh-CN" sz="2000" dirty="0"/>
-              <a:t>IO</a:t>
-            </a:r>
-            <a:r>
-              <a:rPr lang="zh-CN" altLang="en-US" sz="2000" dirty="0"/>
-              <a:t>重定向。</a:t>
-            </a:r>
-            <a:endParaRPr lang="en-US" altLang="zh-CN" sz="2000" dirty="0"/>
-          </a:p>
-        </p:txBody>
-      </p:sp>
-    </p:spTree>
-    <p:extLst>
-      <p:ext uri="{BB962C8B-B14F-4D97-AF65-F5344CB8AC3E}">
-        <p14:creationId xmlns:p14="http://schemas.microsoft.com/office/powerpoint/2010/main" val="776438022"/>
+        <p14:creationId xmlns:p14="http://schemas.microsoft.com/office/powerpoint/2010/main" val="92489225"/>
       </p:ext>
     </p:extLst>
   </p:cSld>
